--- a/design/好物-期中汇报.pptx
+++ b/design/好物-期中汇报.pptx
@@ -5,7 +5,7 @@
     <p:sldMasterId id="2147483648" r:id="rId1"/>
   </p:sldMasterIdLst>
   <p:notesMasterIdLst>
-    <p:notesMasterId r:id="rId17"/>
+    <p:notesMasterId r:id="rId24"/>
   </p:notesMasterIdLst>
   <p:sldIdLst>
     <p:sldId id="256" r:id="rId2"/>
@@ -21,8 +21,15 @@
     <p:sldId id="265" r:id="rId12"/>
     <p:sldId id="267" r:id="rId13"/>
     <p:sldId id="268" r:id="rId14"/>
-    <p:sldId id="269" r:id="rId15"/>
-    <p:sldId id="270" r:id="rId16"/>
+    <p:sldId id="271" r:id="rId15"/>
+    <p:sldId id="272" r:id="rId16"/>
+    <p:sldId id="273" r:id="rId17"/>
+    <p:sldId id="274" r:id="rId18"/>
+    <p:sldId id="275" r:id="rId19"/>
+    <p:sldId id="276" r:id="rId20"/>
+    <p:sldId id="277" r:id="rId21"/>
+    <p:sldId id="269" r:id="rId22"/>
+    <p:sldId id="270" r:id="rId23"/>
   </p:sldIdLst>
   <p:sldSz cx="12192000" cy="6858000"/>
   <p:notesSz cx="6858000" cy="9144000"/>
@@ -121,6 +128,11 @@
       </a:defRPr>
     </a:lvl9pPr>
   </p:defaultTextStyle>
+  <p:extLst>
+    <p:ext uri="{EFAFB233-063F-42B5-8137-9DF3F51BA10A}">
+      <p15:sldGuideLst xmlns:p15="http://schemas.microsoft.com/office/powerpoint/2012/main"/>
+    </p:ext>
+  </p:extLst>
 </p:presentation>
 </file>
 
@@ -218,7 +230,7 @@
           <a:p>
             <a:fld id="{B2D32E72-DC28-45EB-9B87-118DD1D43276}" type="datetimeFigureOut">
               <a:rPr lang="zh-CN" altLang="en-US" smtClean="0"/>
-              <a:t>2022/4/14</a:t>
+              <a:t>2022/4/15</a:t>
             </a:fld>
             <a:endParaRPr lang="zh-CN" altLang="en-US"/>
           </a:p>
@@ -716,7 +728,7 @@
           <a:p>
             <a:fld id="{0788CE43-03DB-4A8B-8A40-FA87D3648B52}" type="datetimeFigureOut">
               <a:rPr lang="zh-CN" altLang="en-US" smtClean="0"/>
-              <a:t>2022/4/14</a:t>
+              <a:t>2022/4/15</a:t>
             </a:fld>
             <a:endParaRPr lang="zh-CN" altLang="en-US"/>
           </a:p>
@@ -914,7 +926,7 @@
           <a:p>
             <a:fld id="{0788CE43-03DB-4A8B-8A40-FA87D3648B52}" type="datetimeFigureOut">
               <a:rPr lang="zh-CN" altLang="en-US" smtClean="0"/>
-              <a:t>2022/4/14</a:t>
+              <a:t>2022/4/15</a:t>
             </a:fld>
             <a:endParaRPr lang="zh-CN" altLang="en-US"/>
           </a:p>
@@ -1122,7 +1134,7 @@
           <a:p>
             <a:fld id="{0788CE43-03DB-4A8B-8A40-FA87D3648B52}" type="datetimeFigureOut">
               <a:rPr lang="zh-CN" altLang="en-US" smtClean="0"/>
-              <a:t>2022/4/14</a:t>
+              <a:t>2022/4/15</a:t>
             </a:fld>
             <a:endParaRPr lang="zh-CN" altLang="en-US"/>
           </a:p>
@@ -1320,7 +1332,7 @@
           <a:p>
             <a:fld id="{0788CE43-03DB-4A8B-8A40-FA87D3648B52}" type="datetimeFigureOut">
               <a:rPr lang="zh-CN" altLang="en-US" smtClean="0"/>
-              <a:t>2022/4/14</a:t>
+              <a:t>2022/4/15</a:t>
             </a:fld>
             <a:endParaRPr lang="zh-CN" altLang="en-US"/>
           </a:p>
@@ -1595,7 +1607,7 @@
           <a:p>
             <a:fld id="{0788CE43-03DB-4A8B-8A40-FA87D3648B52}" type="datetimeFigureOut">
               <a:rPr lang="zh-CN" altLang="en-US" smtClean="0"/>
-              <a:t>2022/4/14</a:t>
+              <a:t>2022/4/15</a:t>
             </a:fld>
             <a:endParaRPr lang="zh-CN" altLang="en-US"/>
           </a:p>
@@ -1860,7 +1872,7 @@
           <a:p>
             <a:fld id="{0788CE43-03DB-4A8B-8A40-FA87D3648B52}" type="datetimeFigureOut">
               <a:rPr lang="zh-CN" altLang="en-US" smtClean="0"/>
-              <a:t>2022/4/14</a:t>
+              <a:t>2022/4/15</a:t>
             </a:fld>
             <a:endParaRPr lang="zh-CN" altLang="en-US"/>
           </a:p>
@@ -2272,7 +2284,7 @@
           <a:p>
             <a:fld id="{0788CE43-03DB-4A8B-8A40-FA87D3648B52}" type="datetimeFigureOut">
               <a:rPr lang="zh-CN" altLang="en-US" smtClean="0"/>
-              <a:t>2022/4/14</a:t>
+              <a:t>2022/4/15</a:t>
             </a:fld>
             <a:endParaRPr lang="zh-CN" altLang="en-US"/>
           </a:p>
@@ -2413,7 +2425,7 @@
           <a:p>
             <a:fld id="{0788CE43-03DB-4A8B-8A40-FA87D3648B52}" type="datetimeFigureOut">
               <a:rPr lang="zh-CN" altLang="en-US" smtClean="0"/>
-              <a:t>2022/4/14</a:t>
+              <a:t>2022/4/15</a:t>
             </a:fld>
             <a:endParaRPr lang="zh-CN" altLang="en-US"/>
           </a:p>
@@ -2526,7 +2538,7 @@
           <a:p>
             <a:fld id="{0788CE43-03DB-4A8B-8A40-FA87D3648B52}" type="datetimeFigureOut">
               <a:rPr lang="zh-CN" altLang="en-US" smtClean="0"/>
-              <a:t>2022/4/14</a:t>
+              <a:t>2022/4/15</a:t>
             </a:fld>
             <a:endParaRPr lang="zh-CN" altLang="en-US"/>
           </a:p>
@@ -2837,7 +2849,7 @@
           <a:p>
             <a:fld id="{0788CE43-03DB-4A8B-8A40-FA87D3648B52}" type="datetimeFigureOut">
               <a:rPr lang="zh-CN" altLang="en-US" smtClean="0"/>
-              <a:t>2022/4/14</a:t>
+              <a:t>2022/4/15</a:t>
             </a:fld>
             <a:endParaRPr lang="zh-CN" altLang="en-US"/>
           </a:p>
@@ -3125,7 +3137,7 @@
           <a:p>
             <a:fld id="{0788CE43-03DB-4A8B-8A40-FA87D3648B52}" type="datetimeFigureOut">
               <a:rPr lang="zh-CN" altLang="en-US" smtClean="0"/>
-              <a:t>2022/4/14</a:t>
+              <a:t>2022/4/15</a:t>
             </a:fld>
             <a:endParaRPr lang="zh-CN" altLang="en-US"/>
           </a:p>
@@ -3366,7 +3378,7 @@
           <a:p>
             <a:fld id="{0788CE43-03DB-4A8B-8A40-FA87D3648B52}" type="datetimeFigureOut">
               <a:rPr lang="zh-CN" altLang="en-US" smtClean="0"/>
-              <a:t>2022/4/14</a:t>
+              <a:t>2022/4/15</a:t>
             </a:fld>
             <a:endParaRPr lang="zh-CN" altLang="en-US"/>
           </a:p>
@@ -4321,66 +4333,6 @@
           </a:p>
         </p:txBody>
       </p:sp>
-      <p:pic>
-        <p:nvPicPr>
-          <p:cNvPr id="4" name="图片 3">
-            <a:extLst>
-              <a:ext uri="{FF2B5EF4-FFF2-40B4-BE49-F238E27FC236}">
-                <a16:creationId xmlns:a16="http://schemas.microsoft.com/office/drawing/2014/main" id="{00D09BC0-E2E7-4E07-9B61-0030FB597CE1}"/>
-              </a:ext>
-            </a:extLst>
-          </p:cNvPr>
-          <p:cNvPicPr>
-            <a:picLocks noChangeAspect="1"/>
-          </p:cNvPicPr>
-          <p:nvPr/>
-        </p:nvPicPr>
-        <p:blipFill>
-          <a:blip r:embed="rId2"/>
-          <a:stretch>
-            <a:fillRect/>
-          </a:stretch>
-        </p:blipFill>
-        <p:spPr>
-          <a:xfrm>
-            <a:off x="957897" y="2790638"/>
-            <a:ext cx="3692525" cy="3213100"/>
-          </a:xfrm>
-          <a:prstGeom prst="rect">
-            <a:avLst/>
-          </a:prstGeom>
-        </p:spPr>
-      </p:pic>
-      <p:pic>
-        <p:nvPicPr>
-          <p:cNvPr id="5" name="图片 4">
-            <a:extLst>
-              <a:ext uri="{FF2B5EF4-FFF2-40B4-BE49-F238E27FC236}">
-                <a16:creationId xmlns:a16="http://schemas.microsoft.com/office/drawing/2014/main" id="{EC1DDA3E-4687-43D8-A747-858D24DFBC48}"/>
-              </a:ext>
-            </a:extLst>
-          </p:cNvPr>
-          <p:cNvPicPr>
-            <a:picLocks noChangeAspect="1"/>
-          </p:cNvPicPr>
-          <p:nvPr/>
-        </p:nvPicPr>
-        <p:blipFill>
-          <a:blip r:embed="rId3"/>
-          <a:stretch>
-            <a:fillRect/>
-          </a:stretch>
-        </p:blipFill>
-        <p:spPr>
-          <a:xfrm>
-            <a:off x="5807019" y="2752538"/>
-            <a:ext cx="3719195" cy="3251200"/>
-          </a:xfrm>
-          <a:prstGeom prst="rect">
-            <a:avLst/>
-          </a:prstGeom>
-        </p:spPr>
-      </p:pic>
     </p:spTree>
     <p:extLst>
       <p:ext uri="{BB962C8B-B14F-4D97-AF65-F5344CB8AC3E}">
@@ -4395,6 +4347,1671 @@
 </file>
 
 <file path=ppt/slides/slide14.xml><?xml version="1.0" encoding="utf-8"?>
+<p:sld xmlns:a="http://schemas.openxmlformats.org/drawingml/2006/main" xmlns:r="http://schemas.openxmlformats.org/officeDocument/2006/relationships" xmlns:p="http://schemas.openxmlformats.org/presentationml/2006/main">
+  <p:cSld>
+    <p:spTree>
+      <p:nvGrpSpPr>
+        <p:cNvPr id="1" name=""/>
+        <p:cNvGrpSpPr/>
+        <p:nvPr/>
+      </p:nvGrpSpPr>
+      <p:grpSpPr>
+        <a:xfrm>
+          <a:off x="0" y="0"/>
+          <a:ext cx="0" cy="0"/>
+          <a:chOff x="0" y="0"/>
+          <a:chExt cx="0" cy="0"/>
+        </a:xfrm>
+      </p:grpSpPr>
+      <p:sp>
+        <p:nvSpPr>
+          <p:cNvPr id="2" name="标题 1">
+            <a:extLst>
+              <a:ext uri="{FF2B5EF4-FFF2-40B4-BE49-F238E27FC236}">
+                <a16:creationId xmlns:a16="http://schemas.microsoft.com/office/drawing/2014/main" id="{55E543AE-1ABB-4470-9E2C-674F301ED340}"/>
+              </a:ext>
+            </a:extLst>
+          </p:cNvPr>
+          <p:cNvSpPr>
+            <a:spLocks noGrp="1"/>
+          </p:cNvSpPr>
+          <p:nvPr>
+            <p:ph type="title"/>
+          </p:nvPr>
+        </p:nvSpPr>
+        <p:spPr/>
+        <p:txBody>
+          <a:bodyPr/>
+          <a:lstStyle/>
+          <a:p>
+            <a:r>
+              <a:rPr lang="zh-CN" altLang="en-US" dirty="0">
+                <a:latin typeface="黑体" panose="02010609060101010101" pitchFamily="49" charset="-122"/>
+                <a:ea typeface="黑体" panose="02010609060101010101" pitchFamily="49" charset="-122"/>
+              </a:rPr>
+              <a:t>前端：主要界面展示</a:t>
+            </a:r>
+          </a:p>
+        </p:txBody>
+      </p:sp>
+      <p:sp>
+        <p:nvSpPr>
+          <p:cNvPr id="3" name="内容占位符 2">
+            <a:extLst>
+              <a:ext uri="{FF2B5EF4-FFF2-40B4-BE49-F238E27FC236}">
+                <a16:creationId xmlns:a16="http://schemas.microsoft.com/office/drawing/2014/main" id="{0FB68A73-A09B-462E-9DED-3825825F2D8C}"/>
+              </a:ext>
+            </a:extLst>
+          </p:cNvPr>
+          <p:cNvSpPr>
+            <a:spLocks noGrp="1"/>
+          </p:cNvSpPr>
+          <p:nvPr>
+            <p:ph idx="1"/>
+          </p:nvPr>
+        </p:nvSpPr>
+        <p:spPr>
+          <a:xfrm>
+            <a:off x="838199" y="1825625"/>
+            <a:ext cx="5335791" cy="4351338"/>
+          </a:xfrm>
+        </p:spPr>
+        <p:txBody>
+          <a:bodyPr/>
+          <a:lstStyle/>
+          <a:p>
+            <a:pPr algn="just">
+              <a:lnSpc>
+                <a:spcPts val="2000"/>
+              </a:lnSpc>
+            </a:pPr>
+            <a:r>
+              <a:rPr lang="en-US" altLang="zh-CN" sz="1800" kern="100" dirty="0">
+                <a:effectLst/>
+                <a:latin typeface="黑体" panose="02010609060101010101" pitchFamily="49" charset="-122"/>
+                <a:ea typeface="黑体" panose="02010609060101010101" pitchFamily="49" charset="-122"/>
+                <a:cs typeface="Times New Roman" panose="02020603050405020304" pitchFamily="18" charset="0"/>
+              </a:rPr>
+              <a:t>1.</a:t>
+            </a:r>
+            <a:r>
+              <a:rPr lang="zh-CN" altLang="zh-CN" sz="1800" kern="100" dirty="0">
+                <a:effectLst/>
+                <a:latin typeface="黑体" panose="02010609060101010101" pitchFamily="49" charset="-122"/>
+                <a:ea typeface="黑体" panose="02010609060101010101" pitchFamily="49" charset="-122"/>
+                <a:cs typeface="Times New Roman" panose="02020603050405020304" pitchFamily="18" charset="0"/>
+              </a:rPr>
+              <a:t>注册登录页面</a:t>
+            </a:r>
+          </a:p>
+          <a:p>
+            <a:pPr algn="just">
+              <a:lnSpc>
+                <a:spcPts val="2000"/>
+              </a:lnSpc>
+            </a:pPr>
+            <a:r>
+              <a:rPr lang="zh-CN" altLang="zh-CN" sz="1800" kern="100" dirty="0">
+                <a:effectLst/>
+                <a:latin typeface="黑体" panose="02010609060101010101" pitchFamily="49" charset="-122"/>
+                <a:ea typeface="黑体" panose="02010609060101010101" pitchFamily="49" charset="-122"/>
+                <a:cs typeface="Times New Roman" panose="02020603050405020304" pitchFamily="18" charset="0"/>
+              </a:rPr>
+              <a:t>用户注册时，可以自行填写账号，作为此后登录</a:t>
+            </a:r>
+            <a:r>
+              <a:rPr lang="en-US" altLang="zh-CN" sz="1800" kern="100" dirty="0">
+                <a:effectLst/>
+                <a:latin typeface="黑体" panose="02010609060101010101" pitchFamily="49" charset="-122"/>
+                <a:ea typeface="黑体" panose="02010609060101010101" pitchFamily="49" charset="-122"/>
+                <a:cs typeface="Times New Roman" panose="02020603050405020304" pitchFamily="18" charset="0"/>
+              </a:rPr>
+              <a:t>APP</a:t>
+            </a:r>
+            <a:r>
+              <a:rPr lang="zh-CN" altLang="zh-CN" sz="1800" kern="100" dirty="0">
+                <a:effectLst/>
+                <a:latin typeface="黑体" panose="02010609060101010101" pitchFamily="49" charset="-122"/>
+                <a:ea typeface="黑体" panose="02010609060101010101" pitchFamily="49" charset="-122"/>
+                <a:cs typeface="Times New Roman" panose="02020603050405020304" pitchFamily="18" charset="0"/>
+              </a:rPr>
+              <a:t>的账号。填写完账号密码昵称等用户基本数据，点击</a:t>
+            </a:r>
+            <a:r>
+              <a:rPr lang="en-US" altLang="zh-CN" sz="1800" kern="100" dirty="0">
+                <a:effectLst/>
+                <a:latin typeface="黑体" panose="02010609060101010101" pitchFamily="49" charset="-122"/>
+                <a:ea typeface="黑体" panose="02010609060101010101" pitchFamily="49" charset="-122"/>
+                <a:cs typeface="Times New Roman" panose="02020603050405020304" pitchFamily="18" charset="0"/>
+              </a:rPr>
+              <a:t>“</a:t>
+            </a:r>
+            <a:r>
+              <a:rPr lang="zh-CN" altLang="zh-CN" sz="1800" kern="100" dirty="0">
+                <a:effectLst/>
+                <a:latin typeface="黑体" panose="02010609060101010101" pitchFamily="49" charset="-122"/>
+                <a:ea typeface="黑体" panose="02010609060101010101" pitchFamily="49" charset="-122"/>
+                <a:cs typeface="Times New Roman" panose="02020603050405020304" pitchFamily="18" charset="0"/>
+              </a:rPr>
+              <a:t>我要注册</a:t>
+            </a:r>
+            <a:r>
+              <a:rPr lang="en-US" altLang="zh-CN" sz="1800" kern="100" dirty="0">
+                <a:effectLst/>
+                <a:latin typeface="黑体" panose="02010609060101010101" pitchFamily="49" charset="-122"/>
+                <a:ea typeface="黑体" panose="02010609060101010101" pitchFamily="49" charset="-122"/>
+                <a:cs typeface="Times New Roman" panose="02020603050405020304" pitchFamily="18" charset="0"/>
+              </a:rPr>
+              <a:t>”</a:t>
+            </a:r>
+            <a:r>
+              <a:rPr lang="zh-CN" altLang="zh-CN" sz="1800" kern="100" dirty="0">
+                <a:effectLst/>
+                <a:latin typeface="黑体" panose="02010609060101010101" pitchFamily="49" charset="-122"/>
+                <a:ea typeface="黑体" panose="02010609060101010101" pitchFamily="49" charset="-122"/>
+                <a:cs typeface="Times New Roman" panose="02020603050405020304" pitchFamily="18" charset="0"/>
+              </a:rPr>
+              <a:t>，客户端会生成</a:t>
+            </a:r>
+            <a:r>
+              <a:rPr lang="en-US" altLang="zh-CN" sz="1800" kern="100" dirty="0" err="1">
+                <a:effectLst/>
+                <a:latin typeface="黑体" panose="02010609060101010101" pitchFamily="49" charset="-122"/>
+                <a:ea typeface="黑体" panose="02010609060101010101" pitchFamily="49" charset="-122"/>
+                <a:cs typeface="Times New Roman" panose="02020603050405020304" pitchFamily="18" charset="0"/>
+              </a:rPr>
+              <a:t>json</a:t>
+            </a:r>
+            <a:r>
+              <a:rPr lang="zh-CN" altLang="zh-CN" sz="1800" kern="100" dirty="0">
+                <a:effectLst/>
+                <a:latin typeface="黑体" panose="02010609060101010101" pitchFamily="49" charset="-122"/>
+                <a:ea typeface="黑体" panose="02010609060101010101" pitchFamily="49" charset="-122"/>
+                <a:cs typeface="Times New Roman" panose="02020603050405020304" pitchFamily="18" charset="0"/>
+              </a:rPr>
+              <a:t>数据，例如</a:t>
+            </a:r>
+            <a:r>
+              <a:rPr lang="en-US" altLang="zh-CN" sz="1800" kern="100" dirty="0">
+                <a:effectLst/>
+                <a:latin typeface="黑体" panose="02010609060101010101" pitchFamily="49" charset="-122"/>
+                <a:ea typeface="黑体" panose="02010609060101010101" pitchFamily="49" charset="-122"/>
+                <a:cs typeface="Times New Roman" panose="02020603050405020304" pitchFamily="18" charset="0"/>
+              </a:rPr>
+              <a:t>{“account”:“</a:t>
+            </a:r>
+            <a:r>
+              <a:rPr lang="zh-CN" altLang="zh-CN" sz="1800" kern="100" dirty="0">
+                <a:effectLst/>
+                <a:latin typeface="黑体" panose="02010609060101010101" pitchFamily="49" charset="-122"/>
+                <a:ea typeface="黑体" panose="02010609060101010101" pitchFamily="49" charset="-122"/>
+                <a:cs typeface="Times New Roman" panose="02020603050405020304" pitchFamily="18" charset="0"/>
+              </a:rPr>
+              <a:t>用户名</a:t>
+            </a:r>
+            <a:r>
+              <a:rPr lang="en-US" altLang="zh-CN" sz="1800" kern="100" dirty="0">
+                <a:effectLst/>
+                <a:latin typeface="黑体" panose="02010609060101010101" pitchFamily="49" charset="-122"/>
+                <a:ea typeface="黑体" panose="02010609060101010101" pitchFamily="49" charset="-122"/>
+                <a:cs typeface="Times New Roman" panose="02020603050405020304" pitchFamily="18" charset="0"/>
+              </a:rPr>
+              <a:t>”</a:t>
+            </a:r>
+            <a:r>
+              <a:rPr lang="zh-CN" altLang="zh-CN" sz="1800" kern="100" dirty="0">
+                <a:effectLst/>
+                <a:latin typeface="黑体" panose="02010609060101010101" pitchFamily="49" charset="-122"/>
+                <a:ea typeface="黑体" panose="02010609060101010101" pitchFamily="49" charset="-122"/>
+                <a:cs typeface="Times New Roman" panose="02020603050405020304" pitchFamily="18" charset="0"/>
+              </a:rPr>
+              <a:t>，</a:t>
+            </a:r>
+            <a:r>
+              <a:rPr lang="en-US" altLang="zh-CN" sz="1800" kern="100" dirty="0">
+                <a:effectLst/>
+                <a:latin typeface="黑体" panose="02010609060101010101" pitchFamily="49" charset="-122"/>
+                <a:ea typeface="黑体" panose="02010609060101010101" pitchFamily="49" charset="-122"/>
+                <a:cs typeface="Times New Roman" panose="02020603050405020304" pitchFamily="18" charset="0"/>
+              </a:rPr>
+              <a:t>“password”:“</a:t>
+            </a:r>
+            <a:r>
+              <a:rPr lang="zh-CN" altLang="zh-CN" sz="1800" kern="100" dirty="0">
+                <a:effectLst/>
+                <a:latin typeface="黑体" panose="02010609060101010101" pitchFamily="49" charset="-122"/>
+                <a:ea typeface="黑体" panose="02010609060101010101" pitchFamily="49" charset="-122"/>
+                <a:cs typeface="Times New Roman" panose="02020603050405020304" pitchFamily="18" charset="0"/>
+              </a:rPr>
+              <a:t>用户密码</a:t>
+            </a:r>
+            <a:r>
+              <a:rPr lang="en-US" altLang="zh-CN" sz="1800" kern="100" dirty="0">
+                <a:effectLst/>
+                <a:latin typeface="黑体" panose="02010609060101010101" pitchFamily="49" charset="-122"/>
+                <a:ea typeface="黑体" panose="02010609060101010101" pitchFamily="49" charset="-122"/>
+                <a:cs typeface="Times New Roman" panose="02020603050405020304" pitchFamily="18" charset="0"/>
+              </a:rPr>
+              <a:t>”</a:t>
+            </a:r>
+            <a:r>
+              <a:rPr lang="zh-CN" altLang="zh-CN" sz="1800" kern="100" dirty="0">
+                <a:effectLst/>
+                <a:latin typeface="黑体" panose="02010609060101010101" pitchFamily="49" charset="-122"/>
+                <a:ea typeface="黑体" panose="02010609060101010101" pitchFamily="49" charset="-122"/>
+                <a:cs typeface="Times New Roman" panose="02020603050405020304" pitchFamily="18" charset="0"/>
+              </a:rPr>
+              <a:t>，</a:t>
+            </a:r>
+            <a:r>
+              <a:rPr lang="en-US" altLang="zh-CN" sz="1800" kern="100" dirty="0">
+                <a:effectLst/>
+                <a:latin typeface="黑体" panose="02010609060101010101" pitchFamily="49" charset="-122"/>
+                <a:ea typeface="黑体" panose="02010609060101010101" pitchFamily="49" charset="-122"/>
+                <a:cs typeface="Times New Roman" panose="02020603050405020304" pitchFamily="18" charset="0"/>
+              </a:rPr>
+              <a:t>“nickname”:“</a:t>
+            </a:r>
+            <a:r>
+              <a:rPr lang="zh-CN" altLang="zh-CN" sz="1800" kern="100" dirty="0">
+                <a:effectLst/>
+                <a:latin typeface="黑体" panose="02010609060101010101" pitchFamily="49" charset="-122"/>
+                <a:ea typeface="黑体" panose="02010609060101010101" pitchFamily="49" charset="-122"/>
+                <a:cs typeface="Times New Roman" panose="02020603050405020304" pitchFamily="18" charset="0"/>
+              </a:rPr>
+              <a:t>昵称</a:t>
+            </a:r>
+            <a:r>
+              <a:rPr lang="en-US" altLang="zh-CN" sz="1800" kern="100" dirty="0">
+                <a:effectLst/>
+                <a:latin typeface="黑体" panose="02010609060101010101" pitchFamily="49" charset="-122"/>
+                <a:ea typeface="黑体" panose="02010609060101010101" pitchFamily="49" charset="-122"/>
+                <a:cs typeface="Times New Roman" panose="02020603050405020304" pitchFamily="18" charset="0"/>
+              </a:rPr>
+              <a:t>”</a:t>
+            </a:r>
+            <a:r>
+              <a:rPr lang="zh-CN" altLang="zh-CN" sz="1800" kern="100" dirty="0">
+                <a:effectLst/>
+                <a:latin typeface="黑体" panose="02010609060101010101" pitchFamily="49" charset="-122"/>
+                <a:ea typeface="黑体" panose="02010609060101010101" pitchFamily="49" charset="-122"/>
+                <a:cs typeface="Times New Roman" panose="02020603050405020304" pitchFamily="18" charset="0"/>
+              </a:rPr>
+              <a:t>，</a:t>
+            </a:r>
+            <a:r>
+              <a:rPr lang="en-US" altLang="zh-CN" sz="1800" kern="100" dirty="0">
+                <a:effectLst/>
+                <a:latin typeface="黑体" panose="02010609060101010101" pitchFamily="49" charset="-122"/>
+                <a:ea typeface="黑体" panose="02010609060101010101" pitchFamily="49" charset="-122"/>
+                <a:cs typeface="Times New Roman" panose="02020603050405020304" pitchFamily="18" charset="0"/>
+              </a:rPr>
+              <a:t>“</a:t>
+            </a:r>
+            <a:r>
+              <a:rPr lang="en-US" altLang="zh-CN" sz="1800" kern="100" dirty="0" err="1">
+                <a:effectLst/>
+                <a:latin typeface="黑体" panose="02010609060101010101" pitchFamily="49" charset="-122"/>
+                <a:ea typeface="黑体" panose="02010609060101010101" pitchFamily="49" charset="-122"/>
+                <a:cs typeface="Times New Roman" panose="02020603050405020304" pitchFamily="18" charset="0"/>
+              </a:rPr>
+              <a:t>tel</a:t>
+            </a:r>
+            <a:r>
+              <a:rPr lang="en-US" altLang="zh-CN" sz="1800" kern="100" dirty="0">
+                <a:effectLst/>
+                <a:latin typeface="黑体" panose="02010609060101010101" pitchFamily="49" charset="-122"/>
+                <a:ea typeface="黑体" panose="02010609060101010101" pitchFamily="49" charset="-122"/>
+                <a:cs typeface="Times New Roman" panose="02020603050405020304" pitchFamily="18" charset="0"/>
+              </a:rPr>
+              <a:t>”:“</a:t>
+            </a:r>
+            <a:r>
+              <a:rPr lang="zh-CN" altLang="zh-CN" sz="1800" kern="100" dirty="0">
+                <a:effectLst/>
+                <a:latin typeface="黑体" panose="02010609060101010101" pitchFamily="49" charset="-122"/>
+                <a:ea typeface="黑体" panose="02010609060101010101" pitchFamily="49" charset="-122"/>
+                <a:cs typeface="Times New Roman" panose="02020603050405020304" pitchFamily="18" charset="0"/>
+              </a:rPr>
+              <a:t>电话</a:t>
+            </a:r>
+            <a:r>
+              <a:rPr lang="en-US" altLang="zh-CN" sz="1800" kern="100" dirty="0">
+                <a:effectLst/>
+                <a:latin typeface="黑体" panose="02010609060101010101" pitchFamily="49" charset="-122"/>
+                <a:ea typeface="黑体" panose="02010609060101010101" pitchFamily="49" charset="-122"/>
+                <a:cs typeface="Times New Roman" panose="02020603050405020304" pitchFamily="18" charset="0"/>
+              </a:rPr>
+              <a:t>”</a:t>
+            </a:r>
+            <a:r>
+              <a:rPr lang="zh-CN" altLang="zh-CN" sz="1800" kern="100" dirty="0">
+                <a:effectLst/>
+                <a:latin typeface="黑体" panose="02010609060101010101" pitchFamily="49" charset="-122"/>
+                <a:ea typeface="黑体" panose="02010609060101010101" pitchFamily="49" charset="-122"/>
+                <a:cs typeface="Times New Roman" panose="02020603050405020304" pitchFamily="18" charset="0"/>
+              </a:rPr>
+              <a:t>，</a:t>
+            </a:r>
+            <a:r>
+              <a:rPr lang="en-US" altLang="zh-CN" sz="1800" kern="100" dirty="0">
+                <a:effectLst/>
+                <a:latin typeface="黑体" panose="02010609060101010101" pitchFamily="49" charset="-122"/>
+                <a:ea typeface="黑体" panose="02010609060101010101" pitchFamily="49" charset="-122"/>
+                <a:cs typeface="Times New Roman" panose="02020603050405020304" pitchFamily="18" charset="0"/>
+              </a:rPr>
+              <a:t>“sex”</a:t>
+            </a:r>
+            <a:r>
+              <a:rPr lang="zh-CN" altLang="zh-CN" sz="1800" kern="100" dirty="0">
+                <a:effectLst/>
+                <a:latin typeface="黑体" panose="02010609060101010101" pitchFamily="49" charset="-122"/>
+                <a:ea typeface="黑体" panose="02010609060101010101" pitchFamily="49" charset="-122"/>
+                <a:cs typeface="Times New Roman" panose="02020603050405020304" pitchFamily="18" charset="0"/>
+              </a:rPr>
+              <a:t>：</a:t>
+            </a:r>
+            <a:r>
+              <a:rPr lang="en-US" altLang="zh-CN" sz="1800" kern="100" dirty="0">
+                <a:effectLst/>
+                <a:latin typeface="黑体" panose="02010609060101010101" pitchFamily="49" charset="-122"/>
+                <a:ea typeface="黑体" panose="02010609060101010101" pitchFamily="49" charset="-122"/>
+                <a:cs typeface="Times New Roman" panose="02020603050405020304" pitchFamily="18" charset="0"/>
+              </a:rPr>
+              <a:t>“</a:t>
+            </a:r>
+            <a:r>
+              <a:rPr lang="zh-CN" altLang="zh-CN" sz="1800" kern="100" dirty="0">
+                <a:effectLst/>
+                <a:latin typeface="黑体" panose="02010609060101010101" pitchFamily="49" charset="-122"/>
+                <a:ea typeface="黑体" panose="02010609060101010101" pitchFamily="49" charset="-122"/>
+                <a:cs typeface="Times New Roman" panose="02020603050405020304" pitchFamily="18" charset="0"/>
+              </a:rPr>
+              <a:t>性别</a:t>
+            </a:r>
+            <a:r>
+              <a:rPr lang="en-US" altLang="zh-CN" sz="1800" kern="100" dirty="0">
+                <a:effectLst/>
+                <a:latin typeface="黑体" panose="02010609060101010101" pitchFamily="49" charset="-122"/>
+                <a:ea typeface="黑体" panose="02010609060101010101" pitchFamily="49" charset="-122"/>
+                <a:cs typeface="Times New Roman" panose="02020603050405020304" pitchFamily="18" charset="0"/>
+              </a:rPr>
+              <a:t>”}</a:t>
+            </a:r>
+            <a:r>
+              <a:rPr lang="zh-CN" altLang="zh-CN" sz="1800" kern="100" dirty="0">
+                <a:effectLst/>
+                <a:latin typeface="黑体" panose="02010609060101010101" pitchFamily="49" charset="-122"/>
+                <a:ea typeface="黑体" panose="02010609060101010101" pitchFamily="49" charset="-122"/>
+                <a:cs typeface="Times New Roman" panose="02020603050405020304" pitchFamily="18" charset="0"/>
+              </a:rPr>
+              <a:t>，之后由客户端向服务端发起</a:t>
+            </a:r>
+            <a:r>
+              <a:rPr lang="en-US" altLang="zh-CN" sz="1800" kern="100" dirty="0">
+                <a:effectLst/>
+                <a:latin typeface="黑体" panose="02010609060101010101" pitchFamily="49" charset="-122"/>
+                <a:ea typeface="黑体" panose="02010609060101010101" pitchFamily="49" charset="-122"/>
+                <a:cs typeface="Times New Roman" panose="02020603050405020304" pitchFamily="18" charset="0"/>
+              </a:rPr>
+              <a:t>POST</a:t>
+            </a:r>
+            <a:r>
+              <a:rPr lang="zh-CN" altLang="zh-CN" sz="1800" kern="100" dirty="0">
+                <a:effectLst/>
+                <a:latin typeface="黑体" panose="02010609060101010101" pitchFamily="49" charset="-122"/>
+                <a:ea typeface="黑体" panose="02010609060101010101" pitchFamily="49" charset="-122"/>
+                <a:cs typeface="Times New Roman" panose="02020603050405020304" pitchFamily="18" charset="0"/>
+              </a:rPr>
+              <a:t>请求，同时将生成的</a:t>
+            </a:r>
+            <a:r>
+              <a:rPr lang="en-US" altLang="zh-CN" sz="1800" kern="100" dirty="0" err="1">
+                <a:effectLst/>
+                <a:latin typeface="黑体" panose="02010609060101010101" pitchFamily="49" charset="-122"/>
+                <a:ea typeface="黑体" panose="02010609060101010101" pitchFamily="49" charset="-122"/>
+                <a:cs typeface="Times New Roman" panose="02020603050405020304" pitchFamily="18" charset="0"/>
+              </a:rPr>
+              <a:t>json</a:t>
+            </a:r>
+            <a:r>
+              <a:rPr lang="zh-CN" altLang="zh-CN" sz="1800" kern="100" dirty="0">
+                <a:effectLst/>
+                <a:latin typeface="黑体" panose="02010609060101010101" pitchFamily="49" charset="-122"/>
+                <a:ea typeface="黑体" panose="02010609060101010101" pitchFamily="49" charset="-122"/>
+                <a:cs typeface="Times New Roman" panose="02020603050405020304" pitchFamily="18" charset="0"/>
+              </a:rPr>
+              <a:t>数据上传到服务端，等服务端验证完成后客户端会收到返回数据，客户端根据返回数据执行相应的逻辑。若账号已注册，客户端会提示用户账号存在，账号注册成功时客户端会直接切换到登录界面。</a:t>
+            </a:r>
+          </a:p>
+          <a:p>
+            <a:endParaRPr lang="zh-CN" altLang="en-US" dirty="0"/>
+          </a:p>
+        </p:txBody>
+      </p:sp>
+      <p:pic>
+        <p:nvPicPr>
+          <p:cNvPr id="4" name="图片 3">
+            <a:extLst>
+              <a:ext uri="{FF2B5EF4-FFF2-40B4-BE49-F238E27FC236}">
+                <a16:creationId xmlns:a16="http://schemas.microsoft.com/office/drawing/2014/main" id="{C2369A3A-90A9-4DA4-8946-091C54D78C43}"/>
+              </a:ext>
+            </a:extLst>
+          </p:cNvPr>
+          <p:cNvPicPr>
+            <a:picLocks noChangeAspect="1"/>
+          </p:cNvPicPr>
+          <p:nvPr/>
+        </p:nvPicPr>
+        <p:blipFill>
+          <a:blip r:embed="rId2"/>
+          <a:stretch>
+            <a:fillRect/>
+          </a:stretch>
+        </p:blipFill>
+        <p:spPr>
+          <a:xfrm>
+            <a:off x="6917633" y="219075"/>
+            <a:ext cx="3692525" cy="3213100"/>
+          </a:xfrm>
+          <a:prstGeom prst="rect">
+            <a:avLst/>
+          </a:prstGeom>
+        </p:spPr>
+      </p:pic>
+      <p:pic>
+        <p:nvPicPr>
+          <p:cNvPr id="5" name="图片 4">
+            <a:extLst>
+              <a:ext uri="{FF2B5EF4-FFF2-40B4-BE49-F238E27FC236}">
+                <a16:creationId xmlns:a16="http://schemas.microsoft.com/office/drawing/2014/main" id="{FA42C56B-E9E2-4E48-A52B-FD497DF84360}"/>
+              </a:ext>
+            </a:extLst>
+          </p:cNvPr>
+          <p:cNvPicPr>
+            <a:picLocks noChangeAspect="1"/>
+          </p:cNvPicPr>
+          <p:nvPr/>
+        </p:nvPicPr>
+        <p:blipFill>
+          <a:blip r:embed="rId3"/>
+          <a:stretch>
+            <a:fillRect/>
+          </a:stretch>
+        </p:blipFill>
+        <p:spPr>
+          <a:xfrm>
+            <a:off x="6917633" y="3429000"/>
+            <a:ext cx="3719195" cy="3251200"/>
+          </a:xfrm>
+          <a:prstGeom prst="rect">
+            <a:avLst/>
+          </a:prstGeom>
+        </p:spPr>
+      </p:pic>
+    </p:spTree>
+    <p:extLst>
+      <p:ext uri="{BB962C8B-B14F-4D97-AF65-F5344CB8AC3E}">
+        <p14:creationId xmlns:p14="http://schemas.microsoft.com/office/powerpoint/2010/main" val="1923418051"/>
+      </p:ext>
+    </p:extLst>
+  </p:cSld>
+  <p:clrMapOvr>
+    <a:masterClrMapping/>
+  </p:clrMapOvr>
+</p:sld>
+</file>
+
+<file path=ppt/slides/slide15.xml><?xml version="1.0" encoding="utf-8"?>
+<p:sld xmlns:a="http://schemas.openxmlformats.org/drawingml/2006/main" xmlns:r="http://schemas.openxmlformats.org/officeDocument/2006/relationships" xmlns:p="http://schemas.openxmlformats.org/presentationml/2006/main">
+  <p:cSld>
+    <p:spTree>
+      <p:nvGrpSpPr>
+        <p:cNvPr id="1" name=""/>
+        <p:cNvGrpSpPr/>
+        <p:nvPr/>
+      </p:nvGrpSpPr>
+      <p:grpSpPr>
+        <a:xfrm>
+          <a:off x="0" y="0"/>
+          <a:ext cx="0" cy="0"/>
+          <a:chOff x="0" y="0"/>
+          <a:chExt cx="0" cy="0"/>
+        </a:xfrm>
+      </p:grpSpPr>
+      <p:sp>
+        <p:nvSpPr>
+          <p:cNvPr id="2" name="标题 1">
+            <a:extLst>
+              <a:ext uri="{FF2B5EF4-FFF2-40B4-BE49-F238E27FC236}">
+                <a16:creationId xmlns:a16="http://schemas.microsoft.com/office/drawing/2014/main" id="{AD0C63D2-6605-43AB-9616-B7197678585B}"/>
+              </a:ext>
+            </a:extLst>
+          </p:cNvPr>
+          <p:cNvSpPr>
+            <a:spLocks noGrp="1"/>
+          </p:cNvSpPr>
+          <p:nvPr>
+            <p:ph type="title"/>
+          </p:nvPr>
+        </p:nvSpPr>
+        <p:spPr/>
+        <p:txBody>
+          <a:bodyPr/>
+          <a:lstStyle/>
+          <a:p>
+            <a:r>
+              <a:rPr lang="zh-CN" altLang="en-US" dirty="0">
+                <a:latin typeface="黑体" panose="02010609060101010101" pitchFamily="49" charset="-122"/>
+                <a:ea typeface="黑体" panose="02010609060101010101" pitchFamily="49" charset="-122"/>
+              </a:rPr>
+              <a:t>前端：主要界面展示</a:t>
+            </a:r>
+          </a:p>
+        </p:txBody>
+      </p:sp>
+      <p:sp>
+        <p:nvSpPr>
+          <p:cNvPr id="3" name="内容占位符 2">
+            <a:extLst>
+              <a:ext uri="{FF2B5EF4-FFF2-40B4-BE49-F238E27FC236}">
+                <a16:creationId xmlns:a16="http://schemas.microsoft.com/office/drawing/2014/main" id="{03F87BCB-580D-4636-B5EE-6F0F0617C697}"/>
+              </a:ext>
+            </a:extLst>
+          </p:cNvPr>
+          <p:cNvSpPr>
+            <a:spLocks noGrp="1"/>
+          </p:cNvSpPr>
+          <p:nvPr>
+            <p:ph idx="1"/>
+          </p:nvPr>
+        </p:nvSpPr>
+        <p:spPr>
+          <a:xfrm>
+            <a:off x="838199" y="1825625"/>
+            <a:ext cx="4239409" cy="4351338"/>
+          </a:xfrm>
+        </p:spPr>
+        <p:txBody>
+          <a:bodyPr/>
+          <a:lstStyle/>
+          <a:p>
+            <a:r>
+              <a:rPr lang="en-US" altLang="zh-CN" sz="2400" kern="100" dirty="0">
+                <a:effectLst/>
+                <a:latin typeface="黑体" panose="02010609060101010101" pitchFamily="49" charset="-122"/>
+                <a:ea typeface="黑体" panose="02010609060101010101" pitchFamily="49" charset="-122"/>
+                <a:cs typeface="Times New Roman" panose="02020603050405020304" pitchFamily="18" charset="0"/>
+              </a:rPr>
+              <a:t>2.</a:t>
+            </a:r>
+            <a:r>
+              <a:rPr lang="zh-CN" altLang="zh-CN" sz="2400" kern="100" dirty="0">
+                <a:effectLst/>
+                <a:latin typeface="黑体" panose="02010609060101010101" pitchFamily="49" charset="-122"/>
+                <a:ea typeface="黑体" panose="02010609060101010101" pitchFamily="49" charset="-122"/>
+                <a:cs typeface="Times New Roman" panose="02020603050405020304" pitchFamily="18" charset="0"/>
+              </a:rPr>
+              <a:t>个人中心页面，该页面包含昵称，头像，我的发布，我卖出的，我的收藏，个人资料修改，设置等等功能</a:t>
+            </a:r>
+          </a:p>
+          <a:p>
+            <a:endParaRPr lang="zh-CN" altLang="en-US" dirty="0"/>
+          </a:p>
+        </p:txBody>
+      </p:sp>
+      <p:pic>
+        <p:nvPicPr>
+          <p:cNvPr id="4" name="图片 3">
+            <a:extLst>
+              <a:ext uri="{FF2B5EF4-FFF2-40B4-BE49-F238E27FC236}">
+                <a16:creationId xmlns:a16="http://schemas.microsoft.com/office/drawing/2014/main" id="{99AA79F4-7CFA-44DA-9F3B-3FCE04C0D73B}"/>
+              </a:ext>
+            </a:extLst>
+          </p:cNvPr>
+          <p:cNvPicPr>
+            <a:picLocks noChangeAspect="1"/>
+          </p:cNvPicPr>
+          <p:nvPr/>
+        </p:nvPicPr>
+        <p:blipFill>
+          <a:blip r:embed="rId2"/>
+          <a:stretch>
+            <a:fillRect/>
+          </a:stretch>
+        </p:blipFill>
+        <p:spPr>
+          <a:xfrm>
+            <a:off x="5455024" y="1572923"/>
+            <a:ext cx="5898776" cy="4698748"/>
+          </a:xfrm>
+          <a:prstGeom prst="rect">
+            <a:avLst/>
+          </a:prstGeom>
+        </p:spPr>
+      </p:pic>
+    </p:spTree>
+    <p:extLst>
+      <p:ext uri="{BB962C8B-B14F-4D97-AF65-F5344CB8AC3E}">
+        <p14:creationId xmlns:p14="http://schemas.microsoft.com/office/powerpoint/2010/main" val="1720475651"/>
+      </p:ext>
+    </p:extLst>
+  </p:cSld>
+  <p:clrMapOvr>
+    <a:masterClrMapping/>
+  </p:clrMapOvr>
+</p:sld>
+</file>
+
+<file path=ppt/slides/slide16.xml><?xml version="1.0" encoding="utf-8"?>
+<p:sld xmlns:a="http://schemas.openxmlformats.org/drawingml/2006/main" xmlns:r="http://schemas.openxmlformats.org/officeDocument/2006/relationships" xmlns:p="http://schemas.openxmlformats.org/presentationml/2006/main">
+  <p:cSld>
+    <p:spTree>
+      <p:nvGrpSpPr>
+        <p:cNvPr id="1" name=""/>
+        <p:cNvGrpSpPr/>
+        <p:nvPr/>
+      </p:nvGrpSpPr>
+      <p:grpSpPr>
+        <a:xfrm>
+          <a:off x="0" y="0"/>
+          <a:ext cx="0" cy="0"/>
+          <a:chOff x="0" y="0"/>
+          <a:chExt cx="0" cy="0"/>
+        </a:xfrm>
+      </p:grpSpPr>
+      <p:sp>
+        <p:nvSpPr>
+          <p:cNvPr id="2" name="标题 1">
+            <a:extLst>
+              <a:ext uri="{FF2B5EF4-FFF2-40B4-BE49-F238E27FC236}">
+                <a16:creationId xmlns:a16="http://schemas.microsoft.com/office/drawing/2014/main" id="{BE33B4DD-66DA-4BDC-A709-48267DB65D3C}"/>
+              </a:ext>
+            </a:extLst>
+          </p:cNvPr>
+          <p:cNvSpPr>
+            <a:spLocks noGrp="1"/>
+          </p:cNvSpPr>
+          <p:nvPr>
+            <p:ph type="title"/>
+          </p:nvPr>
+        </p:nvSpPr>
+        <p:spPr/>
+        <p:txBody>
+          <a:bodyPr/>
+          <a:lstStyle/>
+          <a:p>
+            <a:r>
+              <a:rPr lang="zh-CN" altLang="en-US" b="1" dirty="0"/>
+              <a:t>前端：主要界面展示</a:t>
+            </a:r>
+          </a:p>
+        </p:txBody>
+      </p:sp>
+      <p:sp>
+        <p:nvSpPr>
+          <p:cNvPr id="3" name="内容占位符 2">
+            <a:extLst>
+              <a:ext uri="{FF2B5EF4-FFF2-40B4-BE49-F238E27FC236}">
+                <a16:creationId xmlns:a16="http://schemas.microsoft.com/office/drawing/2014/main" id="{87A41DDB-0F7B-4D6C-9DE3-A05E7A91B851}"/>
+              </a:ext>
+            </a:extLst>
+          </p:cNvPr>
+          <p:cNvSpPr>
+            <a:spLocks noGrp="1"/>
+          </p:cNvSpPr>
+          <p:nvPr>
+            <p:ph idx="1"/>
+          </p:nvPr>
+        </p:nvSpPr>
+        <p:spPr>
+          <a:xfrm>
+            <a:off x="838200" y="1825625"/>
+            <a:ext cx="4024256" cy="4351338"/>
+          </a:xfrm>
+        </p:spPr>
+        <p:txBody>
+          <a:bodyPr/>
+          <a:lstStyle/>
+          <a:p>
+            <a:pPr algn="just"/>
+            <a:r>
+              <a:rPr lang="en-US" altLang="zh-CN" sz="2400" kern="100" dirty="0">
+                <a:effectLst/>
+                <a:latin typeface="黑体" panose="02010609060101010101" pitchFamily="49" charset="-122"/>
+                <a:ea typeface="黑体" panose="02010609060101010101" pitchFamily="49" charset="-122"/>
+                <a:cs typeface="Times New Roman" panose="02020603050405020304" pitchFamily="18" charset="0"/>
+              </a:rPr>
+              <a:t>3.</a:t>
+            </a:r>
+            <a:r>
+              <a:rPr lang="zh-CN" altLang="zh-CN" sz="2400" kern="100" dirty="0">
+                <a:effectLst/>
+                <a:latin typeface="黑体" panose="02010609060101010101" pitchFamily="49" charset="-122"/>
+                <a:ea typeface="黑体" panose="02010609060101010101" pitchFamily="49" charset="-122"/>
+                <a:cs typeface="Times New Roman" panose="02020603050405020304" pitchFamily="18" charset="0"/>
+              </a:rPr>
+              <a:t>资料修改</a:t>
+            </a:r>
+          </a:p>
+          <a:p>
+            <a:pPr algn="just"/>
+            <a:r>
+              <a:rPr lang="zh-CN" altLang="zh-CN" sz="2400" kern="100" dirty="0">
+                <a:effectLst/>
+                <a:latin typeface="黑体" panose="02010609060101010101" pitchFamily="49" charset="-122"/>
+                <a:ea typeface="黑体" panose="02010609060101010101" pitchFamily="49" charset="-122"/>
+                <a:cs typeface="Times New Roman" panose="02020603050405020304" pitchFamily="18" charset="0"/>
+              </a:rPr>
+              <a:t>用户登录之后可以通过</a:t>
+            </a:r>
+            <a:r>
+              <a:rPr lang="en-US" altLang="zh-CN" sz="2400" kern="100" dirty="0">
+                <a:effectLst/>
+                <a:latin typeface="黑体" panose="02010609060101010101" pitchFamily="49" charset="-122"/>
+                <a:ea typeface="黑体" panose="02010609060101010101" pitchFamily="49" charset="-122"/>
+                <a:cs typeface="Times New Roman" panose="02020603050405020304" pitchFamily="18" charset="0"/>
+              </a:rPr>
+              <a:t>“</a:t>
+            </a:r>
+            <a:r>
+              <a:rPr lang="zh-CN" altLang="zh-CN" sz="2400" kern="100" dirty="0">
+                <a:effectLst/>
+                <a:latin typeface="黑体" panose="02010609060101010101" pitchFamily="49" charset="-122"/>
+                <a:ea typeface="黑体" panose="02010609060101010101" pitchFamily="49" charset="-122"/>
+                <a:cs typeface="Times New Roman" panose="02020603050405020304" pitchFamily="18" charset="0"/>
+              </a:rPr>
+              <a:t>我的</a:t>
+            </a:r>
+            <a:r>
+              <a:rPr lang="en-US" altLang="zh-CN" sz="2400" kern="100" dirty="0">
+                <a:effectLst/>
+                <a:latin typeface="黑体" panose="02010609060101010101" pitchFamily="49" charset="-122"/>
+                <a:ea typeface="黑体" panose="02010609060101010101" pitchFamily="49" charset="-122"/>
+                <a:cs typeface="Times New Roman" panose="02020603050405020304" pitchFamily="18" charset="0"/>
+              </a:rPr>
+              <a:t>-</a:t>
+            </a:r>
+            <a:r>
+              <a:rPr lang="zh-CN" altLang="zh-CN" sz="2400" kern="100" dirty="0">
+                <a:effectLst/>
+                <a:latin typeface="黑体" panose="02010609060101010101" pitchFamily="49" charset="-122"/>
+                <a:ea typeface="黑体" panose="02010609060101010101" pitchFamily="49" charset="-122"/>
+                <a:cs typeface="Times New Roman" panose="02020603050405020304" pitchFamily="18" charset="0"/>
+              </a:rPr>
+              <a:t>个人资料</a:t>
+            </a:r>
+            <a:r>
+              <a:rPr lang="en-US" altLang="zh-CN" sz="2400" kern="100" dirty="0">
+                <a:effectLst/>
+                <a:latin typeface="黑体" panose="02010609060101010101" pitchFamily="49" charset="-122"/>
+                <a:ea typeface="黑体" panose="02010609060101010101" pitchFamily="49" charset="-122"/>
+                <a:cs typeface="Times New Roman" panose="02020603050405020304" pitchFamily="18" charset="0"/>
+              </a:rPr>
+              <a:t>”</a:t>
+            </a:r>
+            <a:r>
+              <a:rPr lang="zh-CN" altLang="zh-CN" sz="2400" kern="100" dirty="0">
+                <a:effectLst/>
+                <a:latin typeface="黑体" panose="02010609060101010101" pitchFamily="49" charset="-122"/>
+                <a:ea typeface="黑体" panose="02010609060101010101" pitchFamily="49" charset="-122"/>
+                <a:cs typeface="Times New Roman" panose="02020603050405020304" pitchFamily="18" charset="0"/>
+              </a:rPr>
+              <a:t>进入个人详情页查看个人的详细信息，也可以进行完善和修改。</a:t>
+            </a:r>
+          </a:p>
+          <a:p>
+            <a:endParaRPr lang="zh-CN" altLang="en-US" dirty="0"/>
+          </a:p>
+        </p:txBody>
+      </p:sp>
+      <p:pic>
+        <p:nvPicPr>
+          <p:cNvPr id="4" name="图片 3">
+            <a:extLst>
+              <a:ext uri="{FF2B5EF4-FFF2-40B4-BE49-F238E27FC236}">
+                <a16:creationId xmlns:a16="http://schemas.microsoft.com/office/drawing/2014/main" id="{E2375E90-19FE-42ED-AEA4-B2FDC2A53196}"/>
+              </a:ext>
+            </a:extLst>
+          </p:cNvPr>
+          <p:cNvPicPr>
+            <a:picLocks noChangeAspect="1"/>
+          </p:cNvPicPr>
+          <p:nvPr/>
+        </p:nvPicPr>
+        <p:blipFill>
+          <a:blip r:embed="rId2"/>
+          <a:stretch>
+            <a:fillRect/>
+          </a:stretch>
+        </p:blipFill>
+        <p:spPr>
+          <a:xfrm>
+            <a:off x="5977666" y="1411932"/>
+            <a:ext cx="5672866" cy="4956595"/>
+          </a:xfrm>
+          <a:prstGeom prst="rect">
+            <a:avLst/>
+          </a:prstGeom>
+        </p:spPr>
+      </p:pic>
+    </p:spTree>
+    <p:extLst>
+      <p:ext uri="{BB962C8B-B14F-4D97-AF65-F5344CB8AC3E}">
+        <p14:creationId xmlns:p14="http://schemas.microsoft.com/office/powerpoint/2010/main" val="3913079635"/>
+      </p:ext>
+    </p:extLst>
+  </p:cSld>
+  <p:clrMapOvr>
+    <a:masterClrMapping/>
+  </p:clrMapOvr>
+</p:sld>
+</file>
+
+<file path=ppt/slides/slide17.xml><?xml version="1.0" encoding="utf-8"?>
+<p:sld xmlns:a="http://schemas.openxmlformats.org/drawingml/2006/main" xmlns:r="http://schemas.openxmlformats.org/officeDocument/2006/relationships" xmlns:p="http://schemas.openxmlformats.org/presentationml/2006/main">
+  <p:cSld>
+    <p:spTree>
+      <p:nvGrpSpPr>
+        <p:cNvPr id="1" name=""/>
+        <p:cNvGrpSpPr/>
+        <p:nvPr/>
+      </p:nvGrpSpPr>
+      <p:grpSpPr>
+        <a:xfrm>
+          <a:off x="0" y="0"/>
+          <a:ext cx="0" cy="0"/>
+          <a:chOff x="0" y="0"/>
+          <a:chExt cx="0" cy="0"/>
+        </a:xfrm>
+      </p:grpSpPr>
+      <p:sp>
+        <p:nvSpPr>
+          <p:cNvPr id="2" name="标题 1">
+            <a:extLst>
+              <a:ext uri="{FF2B5EF4-FFF2-40B4-BE49-F238E27FC236}">
+                <a16:creationId xmlns:a16="http://schemas.microsoft.com/office/drawing/2014/main" id="{EE15990E-0B24-41C7-9395-581C72E4085A}"/>
+              </a:ext>
+            </a:extLst>
+          </p:cNvPr>
+          <p:cNvSpPr>
+            <a:spLocks noGrp="1"/>
+          </p:cNvSpPr>
+          <p:nvPr>
+            <p:ph type="title"/>
+          </p:nvPr>
+        </p:nvSpPr>
+        <p:spPr/>
+        <p:txBody>
+          <a:bodyPr/>
+          <a:lstStyle/>
+          <a:p>
+            <a:r>
+              <a:rPr lang="zh-CN" altLang="en-US" dirty="0">
+                <a:latin typeface="黑体" panose="02010609060101010101" pitchFamily="49" charset="-122"/>
+                <a:ea typeface="黑体" panose="02010609060101010101" pitchFamily="49" charset="-122"/>
+              </a:rPr>
+              <a:t>前端：主要界面展示</a:t>
+            </a:r>
+          </a:p>
+        </p:txBody>
+      </p:sp>
+      <p:sp>
+        <p:nvSpPr>
+          <p:cNvPr id="3" name="内容占位符 2">
+            <a:extLst>
+              <a:ext uri="{FF2B5EF4-FFF2-40B4-BE49-F238E27FC236}">
+                <a16:creationId xmlns:a16="http://schemas.microsoft.com/office/drawing/2014/main" id="{1A52CD06-E698-441E-AEED-EDBA8349016C}"/>
+              </a:ext>
+            </a:extLst>
+          </p:cNvPr>
+          <p:cNvSpPr>
+            <a:spLocks noGrp="1"/>
+          </p:cNvSpPr>
+          <p:nvPr>
+            <p:ph idx="1"/>
+          </p:nvPr>
+        </p:nvSpPr>
+        <p:spPr>
+          <a:xfrm>
+            <a:off x="838200" y="1825625"/>
+            <a:ext cx="4099560" cy="4351338"/>
+          </a:xfrm>
+        </p:spPr>
+        <p:txBody>
+          <a:bodyPr/>
+          <a:lstStyle/>
+          <a:p>
+            <a:pPr algn="just">
+              <a:lnSpc>
+                <a:spcPts val="2000"/>
+              </a:lnSpc>
+            </a:pPr>
+            <a:r>
+              <a:rPr lang="en-US" altLang="zh-CN" sz="2400" kern="100" dirty="0">
+                <a:effectLst/>
+                <a:latin typeface="黑体" panose="02010609060101010101" pitchFamily="49" charset="-122"/>
+                <a:ea typeface="黑体" panose="02010609060101010101" pitchFamily="49" charset="-122"/>
+                <a:cs typeface="Times New Roman" panose="02020603050405020304" pitchFamily="18" charset="0"/>
+              </a:rPr>
+              <a:t>4.</a:t>
+            </a:r>
+            <a:r>
+              <a:rPr lang="zh-CN" altLang="zh-CN" sz="2400" kern="100" dirty="0">
+                <a:effectLst/>
+                <a:latin typeface="黑体" panose="02010609060101010101" pitchFamily="49" charset="-122"/>
+                <a:ea typeface="黑体" panose="02010609060101010101" pitchFamily="49" charset="-122"/>
+                <a:cs typeface="Times New Roman" panose="02020603050405020304" pitchFamily="18" charset="0"/>
+              </a:rPr>
+              <a:t>首页</a:t>
+            </a:r>
+          </a:p>
+          <a:p>
+            <a:pPr algn="just"/>
+            <a:r>
+              <a:rPr lang="zh-CN" altLang="zh-CN" sz="2400" kern="100" dirty="0">
+                <a:effectLst/>
+                <a:latin typeface="黑体" panose="02010609060101010101" pitchFamily="49" charset="-122"/>
+                <a:ea typeface="黑体" panose="02010609060101010101" pitchFamily="49" charset="-122"/>
+                <a:cs typeface="Times New Roman" panose="02020603050405020304" pitchFamily="18" charset="0"/>
+              </a:rPr>
+              <a:t>对于目前市场上大多数的</a:t>
+            </a:r>
+            <a:r>
+              <a:rPr lang="en-US" altLang="zh-CN" sz="2400" kern="100" dirty="0">
+                <a:effectLst/>
+                <a:latin typeface="黑体" panose="02010609060101010101" pitchFamily="49" charset="-122"/>
+                <a:ea typeface="黑体" panose="02010609060101010101" pitchFamily="49" charset="-122"/>
+                <a:cs typeface="Times New Roman" panose="02020603050405020304" pitchFamily="18" charset="0"/>
+              </a:rPr>
+              <a:t>App</a:t>
+            </a:r>
+            <a:r>
+              <a:rPr lang="zh-CN" altLang="zh-CN" sz="2400" kern="100" dirty="0">
+                <a:effectLst/>
+                <a:latin typeface="黑体" panose="02010609060101010101" pitchFamily="49" charset="-122"/>
+                <a:ea typeface="黑体" panose="02010609060101010101" pitchFamily="49" charset="-122"/>
+                <a:cs typeface="Times New Roman" panose="02020603050405020304" pitchFamily="18" charset="0"/>
+              </a:rPr>
+              <a:t>来说搜索功能是一个必不可少的功能，对于二手交易平台来说更是一个必要的功能，因此本客户端中最重要的检索方式就是通过商品的关键词进行搜索。其中客户端首页界面如下图</a:t>
+            </a:r>
+          </a:p>
+          <a:p>
+            <a:endParaRPr lang="zh-CN" altLang="en-US" dirty="0"/>
+          </a:p>
+        </p:txBody>
+      </p:sp>
+      <p:pic>
+        <p:nvPicPr>
+          <p:cNvPr id="4" name="图片 3">
+            <a:extLst>
+              <a:ext uri="{FF2B5EF4-FFF2-40B4-BE49-F238E27FC236}">
+                <a16:creationId xmlns:a16="http://schemas.microsoft.com/office/drawing/2014/main" id="{F8380AE6-E898-4C77-A46B-337F5C632465}"/>
+              </a:ext>
+            </a:extLst>
+          </p:cNvPr>
+          <p:cNvPicPr>
+            <a:picLocks noChangeAspect="1"/>
+          </p:cNvPicPr>
+          <p:nvPr/>
+        </p:nvPicPr>
+        <p:blipFill>
+          <a:blip r:embed="rId2"/>
+          <a:stretch>
+            <a:fillRect/>
+          </a:stretch>
+        </p:blipFill>
+        <p:spPr>
+          <a:xfrm>
+            <a:off x="5644178" y="1690688"/>
+            <a:ext cx="5576047" cy="4508163"/>
+          </a:xfrm>
+          <a:prstGeom prst="rect">
+            <a:avLst/>
+          </a:prstGeom>
+        </p:spPr>
+      </p:pic>
+    </p:spTree>
+    <p:extLst>
+      <p:ext uri="{BB962C8B-B14F-4D97-AF65-F5344CB8AC3E}">
+        <p14:creationId xmlns:p14="http://schemas.microsoft.com/office/powerpoint/2010/main" val="240632988"/>
+      </p:ext>
+    </p:extLst>
+  </p:cSld>
+  <p:clrMapOvr>
+    <a:masterClrMapping/>
+  </p:clrMapOvr>
+</p:sld>
+</file>
+
+<file path=ppt/slides/slide18.xml><?xml version="1.0" encoding="utf-8"?>
+<p:sld xmlns:a="http://schemas.openxmlformats.org/drawingml/2006/main" xmlns:r="http://schemas.openxmlformats.org/officeDocument/2006/relationships" xmlns:p="http://schemas.openxmlformats.org/presentationml/2006/main">
+  <p:cSld>
+    <p:spTree>
+      <p:nvGrpSpPr>
+        <p:cNvPr id="1" name=""/>
+        <p:cNvGrpSpPr/>
+        <p:nvPr/>
+      </p:nvGrpSpPr>
+      <p:grpSpPr>
+        <a:xfrm>
+          <a:off x="0" y="0"/>
+          <a:ext cx="0" cy="0"/>
+          <a:chOff x="0" y="0"/>
+          <a:chExt cx="0" cy="0"/>
+        </a:xfrm>
+      </p:grpSpPr>
+      <p:sp>
+        <p:nvSpPr>
+          <p:cNvPr id="2" name="标题 1">
+            <a:extLst>
+              <a:ext uri="{FF2B5EF4-FFF2-40B4-BE49-F238E27FC236}">
+                <a16:creationId xmlns:a16="http://schemas.microsoft.com/office/drawing/2014/main" id="{2EA3B260-85BE-4AA9-8C8A-347DA52539F4}"/>
+              </a:ext>
+            </a:extLst>
+          </p:cNvPr>
+          <p:cNvSpPr>
+            <a:spLocks noGrp="1"/>
+          </p:cNvSpPr>
+          <p:nvPr>
+            <p:ph type="title"/>
+          </p:nvPr>
+        </p:nvSpPr>
+        <p:spPr/>
+        <p:txBody>
+          <a:bodyPr/>
+          <a:lstStyle/>
+          <a:p>
+            <a:r>
+              <a:rPr lang="zh-CN" altLang="en-US" dirty="0">
+                <a:latin typeface="黑体" panose="02010609060101010101" pitchFamily="49" charset="-122"/>
+                <a:ea typeface="黑体" panose="02010609060101010101" pitchFamily="49" charset="-122"/>
+              </a:rPr>
+              <a:t>前端：主要界面展示</a:t>
+            </a:r>
+          </a:p>
+        </p:txBody>
+      </p:sp>
+      <p:sp>
+        <p:nvSpPr>
+          <p:cNvPr id="3" name="内容占位符 2">
+            <a:extLst>
+              <a:ext uri="{FF2B5EF4-FFF2-40B4-BE49-F238E27FC236}">
+                <a16:creationId xmlns:a16="http://schemas.microsoft.com/office/drawing/2014/main" id="{6FAA4E45-7BAC-494D-95A1-0BA1B83D1EC3}"/>
+              </a:ext>
+            </a:extLst>
+          </p:cNvPr>
+          <p:cNvSpPr>
+            <a:spLocks noGrp="1"/>
+          </p:cNvSpPr>
+          <p:nvPr>
+            <p:ph idx="1"/>
+          </p:nvPr>
+        </p:nvSpPr>
+        <p:spPr>
+          <a:xfrm>
+            <a:off x="838200" y="1825625"/>
+            <a:ext cx="4002741" cy="4351338"/>
+          </a:xfrm>
+        </p:spPr>
+        <p:txBody>
+          <a:bodyPr/>
+          <a:lstStyle/>
+          <a:p>
+            <a:pPr algn="just"/>
+            <a:r>
+              <a:rPr lang="en-US" altLang="zh-CN" sz="2400" kern="100" dirty="0">
+                <a:effectLst/>
+                <a:latin typeface="黑体" panose="02010609060101010101" pitchFamily="49" charset="-122"/>
+                <a:ea typeface="黑体" panose="02010609060101010101" pitchFamily="49" charset="-122"/>
+                <a:cs typeface="Times New Roman" panose="02020603050405020304" pitchFamily="18" charset="0"/>
+              </a:rPr>
+              <a:t>5.</a:t>
+            </a:r>
+            <a:r>
+              <a:rPr lang="zh-CN" altLang="zh-CN" sz="2400" kern="100" dirty="0">
+                <a:effectLst/>
+                <a:latin typeface="黑体" panose="02010609060101010101" pitchFamily="49" charset="-122"/>
+                <a:ea typeface="黑体" panose="02010609060101010101" pitchFamily="49" charset="-122"/>
+                <a:cs typeface="Times New Roman" panose="02020603050405020304" pitchFamily="18" charset="0"/>
+              </a:rPr>
+              <a:t>发布商品</a:t>
+            </a:r>
+          </a:p>
+          <a:p>
+            <a:pPr algn="just"/>
+            <a:r>
+              <a:rPr lang="zh-CN" altLang="zh-CN" sz="2400" kern="100" dirty="0">
+                <a:effectLst/>
+                <a:latin typeface="黑体" panose="02010609060101010101" pitchFamily="49" charset="-122"/>
+                <a:ea typeface="黑体" panose="02010609060101010101" pitchFamily="49" charset="-122"/>
+                <a:cs typeface="Times New Roman" panose="02020603050405020304" pitchFamily="18" charset="0"/>
+              </a:rPr>
+              <a:t>发布闲置商品时整个二手交易过程中最重要的一步，没有闲置商品的发布也就没有后续的商品浏览，商品购买等过程。闲置商品发布的</a:t>
+            </a:r>
+            <a:r>
+              <a:rPr lang="en-US" altLang="zh-CN" sz="2400" kern="100" dirty="0">
+                <a:effectLst/>
+                <a:latin typeface="黑体" panose="02010609060101010101" pitchFamily="49" charset="-122"/>
+                <a:ea typeface="黑体" panose="02010609060101010101" pitchFamily="49" charset="-122"/>
+                <a:cs typeface="Times New Roman" panose="02020603050405020304" pitchFamily="18" charset="0"/>
+              </a:rPr>
+              <a:t>layout</a:t>
+            </a:r>
+            <a:r>
+              <a:rPr lang="zh-CN" altLang="zh-CN" sz="2400" kern="100" dirty="0">
+                <a:effectLst/>
+                <a:latin typeface="黑体" panose="02010609060101010101" pitchFamily="49" charset="-122"/>
+                <a:ea typeface="黑体" panose="02010609060101010101" pitchFamily="49" charset="-122"/>
+                <a:cs typeface="Times New Roman" panose="02020603050405020304" pitchFamily="18" charset="0"/>
+              </a:rPr>
+              <a:t>界面布局如图</a:t>
+            </a:r>
+          </a:p>
+          <a:p>
+            <a:endParaRPr lang="zh-CN" altLang="en-US" dirty="0"/>
+          </a:p>
+        </p:txBody>
+      </p:sp>
+      <p:pic>
+        <p:nvPicPr>
+          <p:cNvPr id="4" name="图片 3">
+            <a:extLst>
+              <a:ext uri="{FF2B5EF4-FFF2-40B4-BE49-F238E27FC236}">
+                <a16:creationId xmlns:a16="http://schemas.microsoft.com/office/drawing/2014/main" id="{D0952025-D914-493B-BEA5-C6E24127B04F}"/>
+              </a:ext>
+            </a:extLst>
+          </p:cNvPr>
+          <p:cNvPicPr>
+            <a:picLocks noChangeAspect="1"/>
+          </p:cNvPicPr>
+          <p:nvPr/>
+        </p:nvPicPr>
+        <p:blipFill>
+          <a:blip r:embed="rId2"/>
+          <a:stretch>
+            <a:fillRect/>
+          </a:stretch>
+        </p:blipFill>
+        <p:spPr>
+          <a:xfrm>
+            <a:off x="5617135" y="1741787"/>
+            <a:ext cx="5301876" cy="4633140"/>
+          </a:xfrm>
+          <a:prstGeom prst="rect">
+            <a:avLst/>
+          </a:prstGeom>
+        </p:spPr>
+      </p:pic>
+    </p:spTree>
+    <p:extLst>
+      <p:ext uri="{BB962C8B-B14F-4D97-AF65-F5344CB8AC3E}">
+        <p14:creationId xmlns:p14="http://schemas.microsoft.com/office/powerpoint/2010/main" val="3108754756"/>
+      </p:ext>
+    </p:extLst>
+  </p:cSld>
+  <p:clrMapOvr>
+    <a:masterClrMapping/>
+  </p:clrMapOvr>
+</p:sld>
+</file>
+
+<file path=ppt/slides/slide19.xml><?xml version="1.0" encoding="utf-8"?>
+<p:sld xmlns:a="http://schemas.openxmlformats.org/drawingml/2006/main" xmlns:r="http://schemas.openxmlformats.org/officeDocument/2006/relationships" xmlns:p="http://schemas.openxmlformats.org/presentationml/2006/main">
+  <p:cSld>
+    <p:spTree>
+      <p:nvGrpSpPr>
+        <p:cNvPr id="1" name=""/>
+        <p:cNvGrpSpPr/>
+        <p:nvPr/>
+      </p:nvGrpSpPr>
+      <p:grpSpPr>
+        <a:xfrm>
+          <a:off x="0" y="0"/>
+          <a:ext cx="0" cy="0"/>
+          <a:chOff x="0" y="0"/>
+          <a:chExt cx="0" cy="0"/>
+        </a:xfrm>
+      </p:grpSpPr>
+      <p:sp>
+        <p:nvSpPr>
+          <p:cNvPr id="2" name="标题 1">
+            <a:extLst>
+              <a:ext uri="{FF2B5EF4-FFF2-40B4-BE49-F238E27FC236}">
+                <a16:creationId xmlns:a16="http://schemas.microsoft.com/office/drawing/2014/main" id="{E02574CF-1AC0-407E-A742-D65636F92E56}"/>
+              </a:ext>
+            </a:extLst>
+          </p:cNvPr>
+          <p:cNvSpPr>
+            <a:spLocks noGrp="1"/>
+          </p:cNvSpPr>
+          <p:nvPr>
+            <p:ph type="title"/>
+          </p:nvPr>
+        </p:nvSpPr>
+        <p:spPr/>
+        <p:txBody>
+          <a:bodyPr/>
+          <a:lstStyle/>
+          <a:p>
+            <a:r>
+              <a:rPr lang="zh-CN" altLang="en-US" dirty="0">
+                <a:latin typeface="黑体" panose="02010609060101010101" pitchFamily="49" charset="-122"/>
+                <a:ea typeface="黑体" panose="02010609060101010101" pitchFamily="49" charset="-122"/>
+              </a:rPr>
+              <a:t>前端：主要界面展示</a:t>
+            </a:r>
+          </a:p>
+        </p:txBody>
+      </p:sp>
+      <p:sp>
+        <p:nvSpPr>
+          <p:cNvPr id="3" name="内容占位符 2">
+            <a:extLst>
+              <a:ext uri="{FF2B5EF4-FFF2-40B4-BE49-F238E27FC236}">
+                <a16:creationId xmlns:a16="http://schemas.microsoft.com/office/drawing/2014/main" id="{29C17B6D-B25F-4262-AEE9-8947DEBEED86}"/>
+              </a:ext>
+            </a:extLst>
+          </p:cNvPr>
+          <p:cNvSpPr>
+            <a:spLocks noGrp="1"/>
+          </p:cNvSpPr>
+          <p:nvPr>
+            <p:ph idx="1"/>
+          </p:nvPr>
+        </p:nvSpPr>
+        <p:spPr>
+          <a:xfrm>
+            <a:off x="838200" y="1825625"/>
+            <a:ext cx="4121075" cy="4351338"/>
+          </a:xfrm>
+        </p:spPr>
+        <p:txBody>
+          <a:bodyPr/>
+          <a:lstStyle/>
+          <a:p>
+            <a:pPr algn="just"/>
+            <a:r>
+              <a:rPr lang="en-US" altLang="zh-CN" sz="2400" kern="100" dirty="0">
+                <a:effectLst/>
+                <a:latin typeface="黑体" panose="02010609060101010101" pitchFamily="49" charset="-122"/>
+                <a:ea typeface="黑体" panose="02010609060101010101" pitchFamily="49" charset="-122"/>
+                <a:cs typeface="Times New Roman" panose="02020603050405020304" pitchFamily="18" charset="0"/>
+              </a:rPr>
+              <a:t>6.</a:t>
+            </a:r>
+            <a:r>
+              <a:rPr lang="zh-CN" altLang="zh-CN" sz="2400" kern="100" dirty="0">
+                <a:effectLst/>
+                <a:latin typeface="黑体" panose="02010609060101010101" pitchFamily="49" charset="-122"/>
+                <a:ea typeface="黑体" panose="02010609060101010101" pitchFamily="49" charset="-122"/>
+                <a:cs typeface="Times New Roman" panose="02020603050405020304" pitchFamily="18" charset="0"/>
+              </a:rPr>
+              <a:t>商品分类</a:t>
+            </a:r>
+          </a:p>
+          <a:p>
+            <a:pPr algn="just"/>
+            <a:r>
+              <a:rPr lang="zh-CN" altLang="zh-CN" sz="2400" kern="100" dirty="0">
+                <a:effectLst/>
+                <a:latin typeface="黑体" panose="02010609060101010101" pitchFamily="49" charset="-122"/>
+                <a:ea typeface="黑体" panose="02010609060101010101" pitchFamily="49" charset="-122"/>
+                <a:cs typeface="Times New Roman" panose="02020603050405020304" pitchFamily="18" charset="0"/>
+              </a:rPr>
+              <a:t>根据商品分类，用户可以检索相同类别的商品。分类检索的入口可以在主页面的商品分类查看部分分类，同时也可以通过点击全部查看商品的全部分类，其全部分类界面如图</a:t>
+            </a:r>
+          </a:p>
+          <a:p>
+            <a:endParaRPr lang="zh-CN" altLang="en-US" dirty="0"/>
+          </a:p>
+        </p:txBody>
+      </p:sp>
+      <p:pic>
+        <p:nvPicPr>
+          <p:cNvPr id="4" name="图片 3">
+            <a:extLst>
+              <a:ext uri="{FF2B5EF4-FFF2-40B4-BE49-F238E27FC236}">
+                <a16:creationId xmlns:a16="http://schemas.microsoft.com/office/drawing/2014/main" id="{239AA135-30BB-4681-923E-805687BD95AF}"/>
+              </a:ext>
+            </a:extLst>
+          </p:cNvPr>
+          <p:cNvPicPr>
+            <a:picLocks noChangeAspect="1"/>
+          </p:cNvPicPr>
+          <p:nvPr/>
+        </p:nvPicPr>
+        <p:blipFill>
+          <a:blip r:embed="rId2"/>
+          <a:stretch>
+            <a:fillRect/>
+          </a:stretch>
+        </p:blipFill>
+        <p:spPr>
+          <a:xfrm>
+            <a:off x="5531671" y="1479227"/>
+            <a:ext cx="6452347" cy="5013648"/>
+          </a:xfrm>
+          <a:prstGeom prst="rect">
+            <a:avLst/>
+          </a:prstGeom>
+        </p:spPr>
+      </p:pic>
+    </p:spTree>
+    <p:extLst>
+      <p:ext uri="{BB962C8B-B14F-4D97-AF65-F5344CB8AC3E}">
+        <p14:creationId xmlns:p14="http://schemas.microsoft.com/office/powerpoint/2010/main" val="3812485411"/>
+      </p:ext>
+    </p:extLst>
+  </p:cSld>
+  <p:clrMapOvr>
+    <a:masterClrMapping/>
+  </p:clrMapOvr>
+</p:sld>
+</file>
+
+<file path=ppt/slides/slide2.xml><?xml version="1.0" encoding="utf-8"?>
+<p:sld xmlns:a="http://schemas.openxmlformats.org/drawingml/2006/main" xmlns:r="http://schemas.openxmlformats.org/officeDocument/2006/relationships" xmlns:p="http://schemas.openxmlformats.org/presentationml/2006/main">
+  <p:cSld>
+    <p:spTree>
+      <p:nvGrpSpPr>
+        <p:cNvPr id="1" name=""/>
+        <p:cNvGrpSpPr/>
+        <p:nvPr/>
+      </p:nvGrpSpPr>
+      <p:grpSpPr>
+        <a:xfrm>
+          <a:off x="0" y="0"/>
+          <a:ext cx="0" cy="0"/>
+          <a:chOff x="0" y="0"/>
+          <a:chExt cx="0" cy="0"/>
+        </a:xfrm>
+      </p:grpSpPr>
+      <p:sp>
+        <p:nvSpPr>
+          <p:cNvPr id="2" name="标题 1">
+            <a:extLst>
+              <a:ext uri="{FF2B5EF4-FFF2-40B4-BE49-F238E27FC236}">
+                <a16:creationId xmlns:a16="http://schemas.microsoft.com/office/drawing/2014/main" id="{C52BD9B4-B635-478B-96C4-29559995235B}"/>
+              </a:ext>
+            </a:extLst>
+          </p:cNvPr>
+          <p:cNvSpPr>
+            <a:spLocks noGrp="1"/>
+          </p:cNvSpPr>
+          <p:nvPr>
+            <p:ph type="title"/>
+          </p:nvPr>
+        </p:nvSpPr>
+        <p:spPr/>
+        <p:txBody>
+          <a:bodyPr/>
+          <a:lstStyle/>
+          <a:p>
+            <a:r>
+              <a:rPr lang="zh-CN" altLang="en-US" dirty="0">
+                <a:latin typeface="黑体" panose="02010609060101010101" pitchFamily="49" charset="-122"/>
+                <a:ea typeface="黑体" panose="02010609060101010101" pitchFamily="49" charset="-122"/>
+              </a:rPr>
+              <a:t>要点分类</a:t>
+            </a:r>
+          </a:p>
+        </p:txBody>
+      </p:sp>
+      <p:sp>
+        <p:nvSpPr>
+          <p:cNvPr id="3" name="内容占位符 2">
+            <a:extLst>
+              <a:ext uri="{FF2B5EF4-FFF2-40B4-BE49-F238E27FC236}">
+                <a16:creationId xmlns:a16="http://schemas.microsoft.com/office/drawing/2014/main" id="{9ECC790C-940E-4379-874B-25916365B5BF}"/>
+              </a:ext>
+            </a:extLst>
+          </p:cNvPr>
+          <p:cNvSpPr>
+            <a:spLocks noGrp="1"/>
+          </p:cNvSpPr>
+          <p:nvPr>
+            <p:ph idx="1"/>
+          </p:nvPr>
+        </p:nvSpPr>
+        <p:spPr/>
+        <p:txBody>
+          <a:bodyPr>
+            <a:normAutofit/>
+          </a:bodyPr>
+          <a:lstStyle/>
+          <a:p>
+            <a:r>
+              <a:rPr lang="zh-CN" altLang="en-US" sz="3200" dirty="0">
+                <a:latin typeface="黑体" panose="02010609060101010101" pitchFamily="49" charset="-122"/>
+                <a:ea typeface="黑体" panose="02010609060101010101" pitchFamily="49" charset="-122"/>
+              </a:rPr>
+              <a:t>前端</a:t>
+            </a:r>
+            <a:r>
+              <a:rPr lang="en-US" altLang="zh-CN" sz="3200" dirty="0">
+                <a:latin typeface="黑体" panose="02010609060101010101" pitchFamily="49" charset="-122"/>
+                <a:ea typeface="黑体" panose="02010609060101010101" pitchFamily="49" charset="-122"/>
+              </a:rPr>
+              <a:t>(</a:t>
+            </a:r>
+            <a:r>
+              <a:rPr lang="zh-CN" altLang="en-US" sz="3200" dirty="0">
+                <a:latin typeface="黑体" panose="02010609060101010101" pitchFamily="49" charset="-122"/>
+                <a:ea typeface="黑体" panose="02010609060101010101" pitchFamily="49" charset="-122"/>
+              </a:rPr>
+              <a:t>客户端</a:t>
+            </a:r>
+            <a:r>
+              <a:rPr lang="en-US" altLang="zh-CN" sz="3200" dirty="0">
+                <a:latin typeface="黑体" panose="02010609060101010101" pitchFamily="49" charset="-122"/>
+                <a:ea typeface="黑体" panose="02010609060101010101" pitchFamily="49" charset="-122"/>
+              </a:rPr>
+              <a:t>)</a:t>
+            </a:r>
+          </a:p>
+          <a:p>
+            <a:r>
+              <a:rPr lang="zh-CN" altLang="en-US" sz="3200" dirty="0">
+                <a:latin typeface="黑体" panose="02010609060101010101" pitchFamily="49" charset="-122"/>
+                <a:ea typeface="黑体" panose="02010609060101010101" pitchFamily="49" charset="-122"/>
+              </a:rPr>
+              <a:t>后端（服务端</a:t>
+            </a:r>
+            <a:r>
+              <a:rPr lang="en-US" altLang="zh-CN" sz="3200" dirty="0">
+                <a:latin typeface="黑体" panose="02010609060101010101" pitchFamily="49" charset="-122"/>
+                <a:ea typeface="黑体" panose="02010609060101010101" pitchFamily="49" charset="-122"/>
+              </a:rPr>
+              <a:t>+</a:t>
+            </a:r>
+            <a:r>
+              <a:rPr lang="zh-CN" altLang="en-US" sz="3200" dirty="0">
+                <a:latin typeface="黑体" panose="02010609060101010101" pitchFamily="49" charset="-122"/>
+                <a:ea typeface="黑体" panose="02010609060101010101" pitchFamily="49" charset="-122"/>
+              </a:rPr>
+              <a:t>数据库）</a:t>
+            </a:r>
+            <a:endParaRPr lang="en-US" altLang="zh-CN" sz="3200" dirty="0">
+              <a:latin typeface="黑体" panose="02010609060101010101" pitchFamily="49" charset="-122"/>
+              <a:ea typeface="黑体" panose="02010609060101010101" pitchFamily="49" charset="-122"/>
+            </a:endParaRPr>
+          </a:p>
+          <a:p>
+            <a:r>
+              <a:rPr lang="en-US" altLang="zh-CN" sz="3200" dirty="0">
+                <a:latin typeface="黑体" panose="02010609060101010101" pitchFamily="49" charset="-122"/>
+                <a:ea typeface="黑体" panose="02010609060101010101" pitchFamily="49" charset="-122"/>
+              </a:rPr>
+              <a:t>API</a:t>
+            </a:r>
+          </a:p>
+          <a:p>
+            <a:r>
+              <a:rPr lang="zh-CN" altLang="en-US" sz="3200" dirty="0">
+                <a:latin typeface="黑体" panose="02010609060101010101" pitchFamily="49" charset="-122"/>
+                <a:ea typeface="黑体" panose="02010609060101010101" pitchFamily="49" charset="-122"/>
+              </a:rPr>
+              <a:t>分工进展</a:t>
+            </a:r>
+          </a:p>
+        </p:txBody>
+      </p:sp>
+    </p:spTree>
+    <p:extLst>
+      <p:ext uri="{BB962C8B-B14F-4D97-AF65-F5344CB8AC3E}">
+        <p14:creationId xmlns:p14="http://schemas.microsoft.com/office/powerpoint/2010/main" val="3008434964"/>
+      </p:ext>
+    </p:extLst>
+  </p:cSld>
+  <p:clrMapOvr>
+    <a:masterClrMapping/>
+  </p:clrMapOvr>
+</p:sld>
+</file>
+
+<file path=ppt/slides/slide20.xml><?xml version="1.0" encoding="utf-8"?>
+<p:sld xmlns:a="http://schemas.openxmlformats.org/drawingml/2006/main" xmlns:r="http://schemas.openxmlformats.org/officeDocument/2006/relationships" xmlns:p="http://schemas.openxmlformats.org/presentationml/2006/main">
+  <p:cSld>
+    <p:spTree>
+      <p:nvGrpSpPr>
+        <p:cNvPr id="1" name=""/>
+        <p:cNvGrpSpPr/>
+        <p:nvPr/>
+      </p:nvGrpSpPr>
+      <p:grpSpPr>
+        <a:xfrm>
+          <a:off x="0" y="0"/>
+          <a:ext cx="0" cy="0"/>
+          <a:chOff x="0" y="0"/>
+          <a:chExt cx="0" cy="0"/>
+        </a:xfrm>
+      </p:grpSpPr>
+      <p:sp>
+        <p:nvSpPr>
+          <p:cNvPr id="2" name="标题 1">
+            <a:extLst>
+              <a:ext uri="{FF2B5EF4-FFF2-40B4-BE49-F238E27FC236}">
+                <a16:creationId xmlns:a16="http://schemas.microsoft.com/office/drawing/2014/main" id="{48102AB4-0B0A-49A3-BC03-E8D9AF1D4FD1}"/>
+              </a:ext>
+            </a:extLst>
+          </p:cNvPr>
+          <p:cNvSpPr>
+            <a:spLocks noGrp="1"/>
+          </p:cNvSpPr>
+          <p:nvPr>
+            <p:ph type="title"/>
+          </p:nvPr>
+        </p:nvSpPr>
+        <p:spPr/>
+        <p:txBody>
+          <a:bodyPr/>
+          <a:lstStyle/>
+          <a:p>
+            <a:r>
+              <a:rPr lang="zh-CN" altLang="en-US" dirty="0">
+                <a:latin typeface="黑体" panose="02010609060101010101" pitchFamily="49" charset="-122"/>
+                <a:ea typeface="黑体" panose="02010609060101010101" pitchFamily="49" charset="-122"/>
+              </a:rPr>
+              <a:t>前端：主要界面展示</a:t>
+            </a:r>
+          </a:p>
+        </p:txBody>
+      </p:sp>
+      <p:sp>
+        <p:nvSpPr>
+          <p:cNvPr id="3" name="内容占位符 2">
+            <a:extLst>
+              <a:ext uri="{FF2B5EF4-FFF2-40B4-BE49-F238E27FC236}">
+                <a16:creationId xmlns:a16="http://schemas.microsoft.com/office/drawing/2014/main" id="{7790A49E-3BB3-4020-A6B5-76ED1EC81C6A}"/>
+              </a:ext>
+            </a:extLst>
+          </p:cNvPr>
+          <p:cNvSpPr>
+            <a:spLocks noGrp="1"/>
+          </p:cNvSpPr>
+          <p:nvPr>
+            <p:ph idx="1"/>
+          </p:nvPr>
+        </p:nvSpPr>
+        <p:spPr>
+          <a:xfrm>
+            <a:off x="838199" y="1825625"/>
+            <a:ext cx="3593951" cy="4351338"/>
+          </a:xfrm>
+        </p:spPr>
+        <p:txBody>
+          <a:bodyPr/>
+          <a:lstStyle/>
+          <a:p>
+            <a:r>
+              <a:rPr lang="en-US" altLang="zh-CN" sz="2400" kern="100" dirty="0">
+                <a:effectLst/>
+                <a:latin typeface="黑体" panose="02010609060101010101" pitchFamily="49" charset="-122"/>
+                <a:ea typeface="黑体" panose="02010609060101010101" pitchFamily="49" charset="-122"/>
+                <a:cs typeface="Times New Roman" panose="02020603050405020304" pitchFamily="18" charset="0"/>
+              </a:rPr>
+              <a:t>7.</a:t>
+            </a:r>
+            <a:r>
+              <a:rPr lang="zh-CN" altLang="zh-CN" sz="2400" kern="100" dirty="0">
+                <a:effectLst/>
+                <a:latin typeface="黑体" panose="02010609060101010101" pitchFamily="49" charset="-122"/>
+                <a:ea typeface="黑体" panose="02010609060101010101" pitchFamily="49" charset="-122"/>
+                <a:cs typeface="Times New Roman" panose="02020603050405020304" pitchFamily="18" charset="0"/>
+              </a:rPr>
+              <a:t>商品详情，显示商品的图片，名称，价格</a:t>
+            </a:r>
+          </a:p>
+          <a:p>
+            <a:endParaRPr lang="zh-CN" altLang="en-US" dirty="0"/>
+          </a:p>
+        </p:txBody>
+      </p:sp>
+      <p:pic>
+        <p:nvPicPr>
+          <p:cNvPr id="4" name="图片 3">
+            <a:extLst>
+              <a:ext uri="{FF2B5EF4-FFF2-40B4-BE49-F238E27FC236}">
+                <a16:creationId xmlns:a16="http://schemas.microsoft.com/office/drawing/2014/main" id="{BC1E4A7A-62C8-4336-9C5B-FFE13D78D30C}"/>
+              </a:ext>
+            </a:extLst>
+          </p:cNvPr>
+          <p:cNvPicPr>
+            <a:picLocks noChangeAspect="1"/>
+          </p:cNvPicPr>
+          <p:nvPr/>
+        </p:nvPicPr>
+        <p:blipFill>
+          <a:blip r:embed="rId2"/>
+          <a:stretch>
+            <a:fillRect/>
+          </a:stretch>
+        </p:blipFill>
+        <p:spPr>
+          <a:xfrm>
+            <a:off x="4556255" y="1442836"/>
+            <a:ext cx="6797545" cy="5116916"/>
+          </a:xfrm>
+          <a:prstGeom prst="rect">
+            <a:avLst/>
+          </a:prstGeom>
+        </p:spPr>
+      </p:pic>
+    </p:spTree>
+    <p:extLst>
+      <p:ext uri="{BB962C8B-B14F-4D97-AF65-F5344CB8AC3E}">
+        <p14:creationId xmlns:p14="http://schemas.microsoft.com/office/powerpoint/2010/main" val="1977751980"/>
+      </p:ext>
+    </p:extLst>
+  </p:cSld>
+  <p:clrMapOvr>
+    <a:masterClrMapping/>
+  </p:clrMapOvr>
+</p:sld>
+</file>
+
+<file path=ppt/slides/slide21.xml><?xml version="1.0" encoding="utf-8"?>
 <p:sld xmlns:a="http://schemas.openxmlformats.org/drawingml/2006/main" xmlns:r="http://schemas.openxmlformats.org/officeDocument/2006/relationships" xmlns:p="http://schemas.openxmlformats.org/presentationml/2006/main">
   <p:cSld>
     <p:spTree>
@@ -4550,7 +6167,7 @@
 </p:sld>
 </file>
 
-<file path=ppt/slides/slide15.xml><?xml version="1.0" encoding="utf-8"?>
+<file path=ppt/slides/slide22.xml><?xml version="1.0" encoding="utf-8"?>
 <p:sld xmlns:a="http://schemas.openxmlformats.org/drawingml/2006/main" xmlns:r="http://schemas.openxmlformats.org/officeDocument/2006/relationships" xmlns:p="http://schemas.openxmlformats.org/presentationml/2006/main">
   <p:cSld>
     <p:spTree>
@@ -4681,166 +6298,6 @@
     <p:extLst>
       <p:ext uri="{BB962C8B-B14F-4D97-AF65-F5344CB8AC3E}">
         <p14:creationId xmlns:p14="http://schemas.microsoft.com/office/powerpoint/2010/main" val="3073360887"/>
-      </p:ext>
-    </p:extLst>
-  </p:cSld>
-  <p:clrMapOvr>
-    <a:masterClrMapping/>
-  </p:clrMapOvr>
-</p:sld>
-</file>
-
-<file path=ppt/slides/slide2.xml><?xml version="1.0" encoding="utf-8"?>
-<p:sld xmlns:a="http://schemas.openxmlformats.org/drawingml/2006/main" xmlns:r="http://schemas.openxmlformats.org/officeDocument/2006/relationships" xmlns:p="http://schemas.openxmlformats.org/presentationml/2006/main">
-  <p:cSld>
-    <p:spTree>
-      <p:nvGrpSpPr>
-        <p:cNvPr id="1" name=""/>
-        <p:cNvGrpSpPr/>
-        <p:nvPr/>
-      </p:nvGrpSpPr>
-      <p:grpSpPr>
-        <a:xfrm>
-          <a:off x="0" y="0"/>
-          <a:ext cx="0" cy="0"/>
-          <a:chOff x="0" y="0"/>
-          <a:chExt cx="0" cy="0"/>
-        </a:xfrm>
-      </p:grpSpPr>
-      <p:sp>
-        <p:nvSpPr>
-          <p:cNvPr id="2" name="标题 1">
-            <a:extLst>
-              <a:ext uri="{FF2B5EF4-FFF2-40B4-BE49-F238E27FC236}">
-                <a16:creationId xmlns:a16="http://schemas.microsoft.com/office/drawing/2014/main" id="{C52BD9B4-B635-478B-96C4-29559995235B}"/>
-              </a:ext>
-            </a:extLst>
-          </p:cNvPr>
-          <p:cNvSpPr>
-            <a:spLocks noGrp="1"/>
-          </p:cNvSpPr>
-          <p:nvPr>
-            <p:ph type="title"/>
-          </p:nvPr>
-        </p:nvSpPr>
-        <p:spPr/>
-        <p:txBody>
-          <a:bodyPr/>
-          <a:lstStyle/>
-          <a:p>
-            <a:r>
-              <a:rPr lang="zh-CN" altLang="en-US" dirty="0">
-                <a:latin typeface="黑体" panose="02010609060101010101" pitchFamily="49" charset="-122"/>
-                <a:ea typeface="黑体" panose="02010609060101010101" pitchFamily="49" charset="-122"/>
-              </a:rPr>
-              <a:t>要点分类</a:t>
-            </a:r>
-          </a:p>
-        </p:txBody>
-      </p:sp>
-      <p:sp>
-        <p:nvSpPr>
-          <p:cNvPr id="3" name="内容占位符 2">
-            <a:extLst>
-              <a:ext uri="{FF2B5EF4-FFF2-40B4-BE49-F238E27FC236}">
-                <a16:creationId xmlns:a16="http://schemas.microsoft.com/office/drawing/2014/main" id="{9ECC790C-940E-4379-874B-25916365B5BF}"/>
-              </a:ext>
-            </a:extLst>
-          </p:cNvPr>
-          <p:cNvSpPr>
-            <a:spLocks noGrp="1"/>
-          </p:cNvSpPr>
-          <p:nvPr>
-            <p:ph idx="1"/>
-          </p:nvPr>
-        </p:nvSpPr>
-        <p:spPr/>
-        <p:txBody>
-          <a:bodyPr>
-            <a:normAutofit/>
-          </a:bodyPr>
-          <a:lstStyle/>
-          <a:p>
-            <a:r>
-              <a:rPr lang="zh-CN" altLang="en-US" sz="3200" dirty="0">
-                <a:latin typeface="黑体" panose="02010609060101010101" pitchFamily="49" charset="-122"/>
-                <a:ea typeface="黑体" panose="02010609060101010101" pitchFamily="49" charset="-122"/>
-              </a:rPr>
-              <a:t>前端</a:t>
-            </a:r>
-            <a:r>
-              <a:rPr lang="en-US" altLang="zh-CN" sz="3200" dirty="0">
-                <a:latin typeface="黑体" panose="02010609060101010101" pitchFamily="49" charset="-122"/>
-                <a:ea typeface="黑体" panose="02010609060101010101" pitchFamily="49" charset="-122"/>
-              </a:rPr>
-              <a:t>(</a:t>
-            </a:r>
-            <a:r>
-              <a:rPr lang="zh-CN" altLang="en-US" sz="3200" dirty="0">
-                <a:latin typeface="黑体" panose="02010609060101010101" pitchFamily="49" charset="-122"/>
-                <a:ea typeface="黑体" panose="02010609060101010101" pitchFamily="49" charset="-122"/>
-              </a:rPr>
-              <a:t>客户端</a:t>
-            </a:r>
-            <a:r>
-              <a:rPr lang="en-US" altLang="zh-CN" sz="3200" dirty="0">
-                <a:latin typeface="黑体" panose="02010609060101010101" pitchFamily="49" charset="-122"/>
-                <a:ea typeface="黑体" panose="02010609060101010101" pitchFamily="49" charset="-122"/>
-              </a:rPr>
-              <a:t>)</a:t>
-            </a:r>
-          </a:p>
-          <a:p>
-            <a:r>
-              <a:rPr lang="zh-CN" altLang="en-US" sz="3200" dirty="0">
-                <a:latin typeface="黑体" panose="02010609060101010101" pitchFamily="49" charset="-122"/>
-                <a:ea typeface="黑体" panose="02010609060101010101" pitchFamily="49" charset="-122"/>
-              </a:rPr>
-              <a:t>后端（服务端</a:t>
-            </a:r>
-            <a:r>
-              <a:rPr lang="en-US" altLang="zh-CN" sz="3200" dirty="0">
-                <a:latin typeface="黑体" panose="02010609060101010101" pitchFamily="49" charset="-122"/>
-                <a:ea typeface="黑体" panose="02010609060101010101" pitchFamily="49" charset="-122"/>
-              </a:rPr>
-              <a:t>+</a:t>
-            </a:r>
-            <a:r>
-              <a:rPr lang="zh-CN" altLang="en-US" sz="3200" dirty="0">
-                <a:latin typeface="黑体" panose="02010609060101010101" pitchFamily="49" charset="-122"/>
-                <a:ea typeface="黑体" panose="02010609060101010101" pitchFamily="49" charset="-122"/>
-              </a:rPr>
-              <a:t>数据库）</a:t>
-            </a:r>
-            <a:endParaRPr lang="en-US" altLang="zh-CN" sz="3200" dirty="0">
-              <a:latin typeface="黑体" panose="02010609060101010101" pitchFamily="49" charset="-122"/>
-              <a:ea typeface="黑体" panose="02010609060101010101" pitchFamily="49" charset="-122"/>
-            </a:endParaRPr>
-          </a:p>
-          <a:p>
-            <a:r>
-              <a:rPr lang="en-US" altLang="zh-CN" sz="3200" dirty="0">
-                <a:latin typeface="黑体" panose="02010609060101010101" pitchFamily="49" charset="-122"/>
-                <a:ea typeface="黑体" panose="02010609060101010101" pitchFamily="49" charset="-122"/>
-              </a:rPr>
-              <a:t>API</a:t>
-            </a:r>
-          </a:p>
-          <a:p>
-            <a:r>
-              <a:rPr lang="zh-CN" altLang="en-US" sz="3200" dirty="0">
-                <a:latin typeface="黑体" panose="02010609060101010101" pitchFamily="49" charset="-122"/>
-                <a:ea typeface="黑体" panose="02010609060101010101" pitchFamily="49" charset="-122"/>
-              </a:rPr>
-              <a:t>分工进展</a:t>
-            </a:r>
-          </a:p>
-        </p:txBody>
-      </p:sp>
-    </p:spTree>
-    <p:extLst>
-      <p:ext uri="{BB962C8B-B14F-4D97-AF65-F5344CB8AC3E}">
-        <p14:creationId xmlns:p14="http://schemas.microsoft.com/office/powerpoint/2010/main" val="3008434964"/>
       </p:ext>
     </p:extLst>
   </p:cSld>
